--- a/esp32_hardware/Telua_Pitch_Deck.pptx
+++ b/esp32_hardware/Telua_Pitch_Deck.pptx
@@ -6,14 +6,14 @@
   </p:sldMasterIdLst>
   <p:sldIdLst>
     <p:sldId id="256" r:id="rId2"/>
-    <p:sldId id="257" r:id="rId3"/>
-    <p:sldId id="258" r:id="rId4"/>
-    <p:sldId id="259" r:id="rId5"/>
-    <p:sldId id="260" r:id="rId6"/>
-    <p:sldId id="261" r:id="rId7"/>
-    <p:sldId id="262" r:id="rId8"/>
-    <p:sldId id="263" r:id="rId9"/>
-    <p:sldId id="264" r:id="rId10"/>
+    <p:sldId id="258" r:id="rId3"/>
+    <p:sldId id="257" r:id="rId4"/>
+    <p:sldId id="264" r:id="rId5"/>
+    <p:sldId id="259" r:id="rId6"/>
+    <p:sldId id="260" r:id="rId7"/>
+    <p:sldId id="265" r:id="rId8"/>
+    <p:sldId id="261" r:id="rId9"/>
+    <p:sldId id="263" r:id="rId10"/>
   </p:sldIdLst>
   <p:sldSz cx="12192000" cy="6858000"/>
   <p:notesSz cx="6858000" cy="9144000"/>
@@ -112,6 +112,11 @@
       </a:defRPr>
     </a:lvl9pPr>
   </p:defaultTextStyle>
+  <p:extLst>
+    <p:ext uri="{EFAFB233-063F-42B5-8137-9DF3F51BA10A}">
+      <p15:sldGuideLst xmlns:p15="http://schemas.microsoft.com/office/powerpoint/2012/main"/>
+    </p:ext>
+  </p:extLst>
 </p:presentation>
 </file>
 
@@ -5998,7 +6003,7 @@
         </p:nvSpPr>
         <p:spPr>
           <a:xfrm>
-            <a:off x="1715511" y="1732817"/>
+            <a:off x="1699326" y="1134007"/>
             <a:ext cx="6616545" cy="726743"/>
           </a:xfrm>
           <a:prstGeom prst="rect">
@@ -6096,7 +6101,7 @@
                   <a:srgbClr val="92D050"/>
                 </a:solidFill>
               </a:rPr>
-              <a:t> IoT platform</a:t>
+              <a:t> IoT Platform</a:t>
             </a:r>
             <a:endParaRPr lang="en-US" dirty="0">
               <a:solidFill>
@@ -6138,10 +6143,10 @@
       </p:grpSpPr>
       <p:sp>
         <p:nvSpPr>
-          <p:cNvPr id="3" name="Subtitle 2">
+          <p:cNvPr id="2" name="Title 1">
             <a:extLst>
               <a:ext uri="{FF2B5EF4-FFF2-40B4-BE49-F238E27FC236}">
-                <a16:creationId xmlns:a16="http://schemas.microsoft.com/office/drawing/2014/main" id="{0680FFF0-812A-3A21-DEB2-D9F0904D1037}"/>
+                <a16:creationId xmlns:a16="http://schemas.microsoft.com/office/drawing/2014/main" id="{2A7AB600-3A1C-5D47-A854-3D7A11D2F84E}"/>
               </a:ext>
             </a:extLst>
           </p:cNvPr>
@@ -6149,108 +6154,26 @@
             <a:spLocks noGrp="1"/>
           </p:cNvSpPr>
           <p:nvPr>
-            <p:ph type="subTitle" idx="1"/>
+            <p:ph type="ctrTitle"/>
           </p:nvPr>
         </p:nvSpPr>
         <p:spPr>
           <a:xfrm>
-            <a:off x="990292" y="235684"/>
-            <a:ext cx="9378669" cy="3277692"/>
+            <a:off x="1220575" y="144219"/>
+            <a:ext cx="9169597" cy="875393"/>
           </a:xfrm>
         </p:spPr>
         <p:txBody>
-          <a:bodyPr>
-            <a:normAutofit/>
-          </a:bodyPr>
+          <a:bodyPr/>
           <a:lstStyle/>
           <a:p>
             <a:pPr algn="l"/>
-            <a:endParaRPr lang="en-US" dirty="0">
-              <a:solidFill>
-                <a:schemeClr val="tx1"/>
-              </a:solidFill>
-            </a:endParaRPr>
-          </a:p>
-          <a:p>
-            <a:pPr algn="l"/>
-            <a:r>
-              <a:rPr lang="en-US" sz="3200" b="1" dirty="0">
-                <a:solidFill>
-                  <a:srgbClr val="92D050"/>
-                </a:solidFill>
+            <a:r>
+              <a:rPr lang="en-US" sz="2800" b="1" dirty="0">
+                <a:latin typeface="+mn-lt"/>
               </a:rPr>
-              <a:t>Problem of PLC </a:t>
-            </a:r>
-            <a:r>
-              <a:rPr lang="en-US" dirty="0">
-                <a:solidFill>
-                  <a:schemeClr val="tx1"/>
-                </a:solidFill>
-              </a:rPr>
-              <a:t>( Programmable logic controller ) </a:t>
-            </a:r>
-            <a:endParaRPr lang="en-US" b="1" dirty="0">
-              <a:solidFill>
-                <a:schemeClr val="tx1"/>
-              </a:solidFill>
-            </a:endParaRPr>
-          </a:p>
-          <a:p>
-            <a:pPr algn="l"/>
-            <a:r>
-              <a:rPr lang="en-US" dirty="0">
-                <a:solidFill>
-                  <a:schemeClr val="tx1"/>
-                </a:solidFill>
-              </a:rPr>
-              <a:t>      - License  of software is  expensive</a:t>
-            </a:r>
-          </a:p>
-          <a:p>
-            <a:pPr algn="l"/>
-            <a:r>
-              <a:rPr lang="en-US" dirty="0">
-                <a:solidFill>
-                  <a:schemeClr val="tx1"/>
-                </a:solidFill>
-              </a:rPr>
-              <a:t>      - No easy to configure with normal users</a:t>
-            </a:r>
-          </a:p>
-          <a:p>
-            <a:pPr algn="l"/>
-            <a:r>
-              <a:rPr lang="en-US" sz="4000" b="1" dirty="0">
-                <a:solidFill>
-                  <a:srgbClr val="92D050"/>
-                </a:solidFill>
-              </a:rPr>
-              <a:t>Solution</a:t>
-            </a:r>
-            <a:r>
-              <a:rPr lang="en-US" b="1" dirty="0">
-                <a:solidFill>
-                  <a:schemeClr val="tx1"/>
-                </a:solidFill>
-              </a:rPr>
-              <a:t> </a:t>
-            </a:r>
-            <a:endParaRPr lang="en-US" dirty="0"/>
-          </a:p>
-          <a:p>
-            <a:pPr algn="l"/>
-            <a:r>
-              <a:rPr lang="en-US" dirty="0">
-                <a:solidFill>
-                  <a:schemeClr val="tx1"/>
-                </a:solidFill>
-              </a:rPr>
-              <a:t>	Develop the visual programing language to instead of  to control devices via the internet and support for automation industry </a:t>
-            </a:r>
-          </a:p>
-          <a:p>
-            <a:pPr algn="l"/>
-            <a:endParaRPr lang="en-US" dirty="0"/>
+              <a:t>Some PLC based Automation Projects ( PLC - Programmable logic controller ) </a:t>
+            </a:r>
           </a:p>
         </p:txBody>
       </p:sp>
@@ -6404,10 +6327,192 @@
           </a:p>
         </p:txBody>
       </p:sp>
+      <p:sp>
+        <p:nvSpPr>
+          <p:cNvPr id="4" name="TextBox 3">
+            <a:extLst>
+              <a:ext uri="{FF2B5EF4-FFF2-40B4-BE49-F238E27FC236}">
+                <a16:creationId xmlns:a16="http://schemas.microsoft.com/office/drawing/2014/main" id="{AEF04E3B-F7E4-3E86-07A7-B82A70CB8632}"/>
+              </a:ext>
+            </a:extLst>
+          </p:cNvPr>
+          <p:cNvSpPr txBox="1"/>
+          <p:nvPr/>
+        </p:nvSpPr>
+        <p:spPr>
+          <a:xfrm>
+            <a:off x="961630" y="1162837"/>
+            <a:ext cx="8747491" cy="3416320"/>
+          </a:xfrm>
+          <a:prstGeom prst="rect">
+            <a:avLst/>
+          </a:prstGeom>
+          <a:noFill/>
+        </p:spPr>
+        <p:txBody>
+          <a:bodyPr wrap="square">
+            <a:spAutoFit/>
+          </a:bodyPr>
+          <a:lstStyle/>
+          <a:p>
+            <a:pPr marL="285750" indent="-285750">
+              <a:buFontTx/>
+              <a:buChar char="-"/>
+            </a:pPr>
+            <a:r>
+              <a:rPr lang="en-US" dirty="0"/>
+              <a:t>PLC Based on Garden Irrigation System</a:t>
+            </a:r>
+          </a:p>
+          <a:p>
+            <a:pPr marL="285750" indent="-285750">
+              <a:buFontTx/>
+              <a:buChar char="-"/>
+            </a:pPr>
+            <a:r>
+              <a:rPr lang="en-US" dirty="0"/>
+              <a:t>PLC Based on Automatic Motor Speed Monitoring System</a:t>
+            </a:r>
+          </a:p>
+          <a:p>
+            <a:pPr marL="285750" indent="-285750">
+              <a:buFontTx/>
+              <a:buChar char="-"/>
+            </a:pPr>
+            <a:r>
+              <a:rPr lang="en-US" dirty="0"/>
+              <a:t>PLC Based on Multi-Channel Temperature Monitoring and Controlling System</a:t>
+            </a:r>
+          </a:p>
+          <a:p>
+            <a:pPr marL="285750" indent="-285750">
+              <a:buFontTx/>
+              <a:buChar char="-"/>
+            </a:pPr>
+            <a:r>
+              <a:rPr lang="en-US" dirty="0"/>
+              <a:t>PLC Based on Humidity and CO2 Monitoring and Controlling System</a:t>
+            </a:r>
+          </a:p>
+          <a:p>
+            <a:pPr marL="285750" indent="-285750">
+              <a:buFontTx/>
+              <a:buChar char="-"/>
+            </a:pPr>
+            <a:r>
+              <a:rPr lang="en-US" dirty="0"/>
+              <a:t>PLC Based on Agriculture Irrigation System</a:t>
+            </a:r>
+          </a:p>
+          <a:p>
+            <a:pPr marL="285750" indent="-285750">
+              <a:buFontTx/>
+              <a:buChar char="-"/>
+            </a:pPr>
+            <a:r>
+              <a:rPr lang="en-US" dirty="0"/>
+              <a:t>PLC Based Door Open and Closing System</a:t>
+            </a:r>
+          </a:p>
+          <a:p>
+            <a:pPr marL="285750" indent="-285750">
+              <a:buFontTx/>
+              <a:buChar char="-"/>
+            </a:pPr>
+            <a:r>
+              <a:rPr lang="en-US" dirty="0"/>
+              <a:t>PLC Based Temperature Controller</a:t>
+            </a:r>
+          </a:p>
+          <a:p>
+            <a:pPr marL="285750" indent="-285750">
+              <a:buFontTx/>
+              <a:buChar char="-"/>
+            </a:pPr>
+            <a:r>
+              <a:rPr lang="en-US" dirty="0"/>
+              <a:t>PLC Based Automatic Coffee Vending Machine</a:t>
+            </a:r>
+          </a:p>
+          <a:p>
+            <a:pPr marL="285750" indent="-285750">
+              <a:buFontTx/>
+              <a:buChar char="-"/>
+            </a:pPr>
+            <a:r>
+              <a:rPr lang="en-US" dirty="0"/>
+              <a:t>PLC Based Automatic Traffic and Street Light Controller</a:t>
+            </a:r>
+          </a:p>
+          <a:p>
+            <a:pPr marL="285750" indent="-285750">
+              <a:buFontTx/>
+              <a:buChar char="-"/>
+            </a:pPr>
+            <a:r>
+              <a:rPr lang="en-US" dirty="0"/>
+              <a:t>Automatic Water Level Control System Using PLC Project</a:t>
+            </a:r>
+          </a:p>
+          <a:p>
+            <a:pPr marL="285750" indent="-285750">
+              <a:buFontTx/>
+              <a:buChar char="-"/>
+            </a:pPr>
+            <a:r>
+              <a:rPr lang="en-US" dirty="0"/>
+              <a:t>Automatic Feeder Machine</a:t>
+            </a:r>
+          </a:p>
+          <a:p>
+            <a:pPr marL="285750" indent="-285750">
+              <a:buFontTx/>
+              <a:buChar char="-"/>
+            </a:pPr>
+            <a:endParaRPr lang="en-US" dirty="0"/>
+          </a:p>
+        </p:txBody>
+      </p:sp>
+      <p:pic>
+        <p:nvPicPr>
+          <p:cNvPr id="5" name="Picture 4" descr="A picture containing printer, text&#10;&#10;Description automatically generated">
+            <a:extLst>
+              <a:ext uri="{FF2B5EF4-FFF2-40B4-BE49-F238E27FC236}">
+                <a16:creationId xmlns:a16="http://schemas.microsoft.com/office/drawing/2014/main" id="{8ABEE232-75E4-842C-793A-0FF723C1138F}"/>
+              </a:ext>
+            </a:extLst>
+          </p:cNvPr>
+          <p:cNvPicPr>
+            <a:picLocks noChangeAspect="1"/>
+          </p:cNvPicPr>
+          <p:nvPr/>
+        </p:nvPicPr>
+        <p:blipFill>
+          <a:blip r:embed="rId3">
+            <a:extLst>
+              <a:ext uri="{28A0092B-C50C-407E-A947-70E740481C1C}">
+                <a14:useLocalDpi xmlns:a14="http://schemas.microsoft.com/office/drawing/2010/main" val="0"/>
+              </a:ext>
+            </a:extLst>
+          </a:blip>
+          <a:stretch>
+            <a:fillRect/>
+          </a:stretch>
+        </p:blipFill>
+        <p:spPr>
+          <a:xfrm>
+            <a:off x="1314365" y="4865607"/>
+            <a:ext cx="1825344" cy="1257459"/>
+          </a:xfrm>
+          <a:prstGeom prst="rect">
+            <a:avLst/>
+          </a:prstGeom>
+        </p:spPr>
+      </p:pic>
     </p:spTree>
     <p:extLst>
       <p:ext uri="{BB962C8B-B14F-4D97-AF65-F5344CB8AC3E}">
-        <p14:creationId xmlns:p14="http://schemas.microsoft.com/office/powerpoint/2010/main" val="1355575369"/>
+        <p14:creationId xmlns:p14="http://schemas.microsoft.com/office/powerpoint/2010/main" val="3550917819"/>
       </p:ext>
     </p:extLst>
   </p:cSld>
@@ -6436,10 +6541,10 @@
       </p:grpSpPr>
       <p:sp>
         <p:nvSpPr>
-          <p:cNvPr id="2" name="Title 1">
+          <p:cNvPr id="3" name="Subtitle 2">
             <a:extLst>
               <a:ext uri="{FF2B5EF4-FFF2-40B4-BE49-F238E27FC236}">
-                <a16:creationId xmlns:a16="http://schemas.microsoft.com/office/drawing/2014/main" id="{2A7AB600-3A1C-5D47-A854-3D7A11D2F84E}"/>
+                <a16:creationId xmlns:a16="http://schemas.microsoft.com/office/drawing/2014/main" id="{0680FFF0-812A-3A21-DEB2-D9F0904D1037}"/>
               </a:ext>
             </a:extLst>
           </p:cNvPr>
@@ -6447,33 +6552,88 @@
             <a:spLocks noGrp="1"/>
           </p:cNvSpPr>
           <p:nvPr>
-            <p:ph type="ctrTitle"/>
+            <p:ph type="subTitle" idx="1"/>
           </p:nvPr>
         </p:nvSpPr>
         <p:spPr>
           <a:xfrm>
-            <a:off x="1147748" y="323681"/>
-            <a:ext cx="7766936" cy="817638"/>
+            <a:off x="820358" y="892991"/>
+            <a:ext cx="9378669" cy="3277692"/>
           </a:xfrm>
         </p:spPr>
         <p:txBody>
-          <a:bodyPr/>
+          <a:bodyPr>
+            <a:normAutofit/>
+          </a:bodyPr>
           <a:lstStyle/>
           <a:p>
             <a:pPr algn="l"/>
             <a:r>
-              <a:rPr lang="en-US" sz="4000" b="1" dirty="0">
+              <a:rPr lang="en-US" sz="3200" b="1" dirty="0">
                 <a:solidFill>
                   <a:srgbClr val="92D050"/>
                 </a:solidFill>
               </a:rPr>
-              <a:t>Market Validation</a:t>
-            </a:r>
-            <a:endParaRPr lang="en-US" sz="4000" dirty="0">
+              <a:t>Problem of PLC</a:t>
+            </a:r>
+            <a:endParaRPr lang="en-US" b="1" dirty="0">
               <a:solidFill>
-                <a:srgbClr val="92D050"/>
+                <a:schemeClr val="tx1"/>
               </a:solidFill>
             </a:endParaRPr>
+          </a:p>
+          <a:p>
+            <a:pPr algn="l"/>
+            <a:r>
+              <a:rPr lang="en-US" dirty="0">
+                <a:solidFill>
+                  <a:schemeClr val="tx1"/>
+                </a:solidFill>
+              </a:rPr>
+              <a:t>      - License  of software is  expensive</a:t>
+            </a:r>
+          </a:p>
+          <a:p>
+            <a:pPr algn="l"/>
+            <a:r>
+              <a:rPr lang="en-US" dirty="0">
+                <a:solidFill>
+                  <a:schemeClr val="tx1"/>
+                </a:solidFill>
+              </a:rPr>
+              <a:t>      - No easy to configure with normal users</a:t>
+            </a:r>
+          </a:p>
+          <a:p>
+            <a:pPr algn="l"/>
+            <a:r>
+              <a:rPr lang="en-US" sz="4000" b="1" dirty="0">
+                <a:solidFill>
+                  <a:srgbClr val="92D050"/>
+                </a:solidFill>
+              </a:rPr>
+              <a:t>Solution</a:t>
+            </a:r>
+            <a:r>
+              <a:rPr lang="en-US" b="1" dirty="0">
+                <a:solidFill>
+                  <a:schemeClr val="tx1"/>
+                </a:solidFill>
+              </a:rPr>
+              <a:t> </a:t>
+            </a:r>
+            <a:endParaRPr lang="en-US" dirty="0"/>
+          </a:p>
+          <a:p>
+            <a:pPr algn="l"/>
+            <a:r>
+              <a:rPr lang="en-US" dirty="0">
+                <a:solidFill>
+                  <a:schemeClr val="tx1"/>
+                </a:solidFill>
+              </a:rPr>
+              <a:t>   - Develop the visual programing language instead of PLC to control devices via the internet and support the automation industry</a:t>
+            </a:r>
           </a:p>
         </p:txBody>
       </p:sp>
@@ -6630,7 +6790,7 @@
     </p:spTree>
     <p:extLst>
       <p:ext uri="{BB962C8B-B14F-4D97-AF65-F5344CB8AC3E}">
-        <p14:creationId xmlns:p14="http://schemas.microsoft.com/office/powerpoint/2010/main" val="3550917819"/>
+        <p14:creationId xmlns:p14="http://schemas.microsoft.com/office/powerpoint/2010/main" val="1355575369"/>
       </p:ext>
     </p:extLst>
   </p:cSld>
@@ -6659,10 +6819,10 @@
       </p:grpSpPr>
       <p:sp>
         <p:nvSpPr>
-          <p:cNvPr id="2" name="Title 1">
+          <p:cNvPr id="3" name="Subtitle 2">
             <a:extLst>
               <a:ext uri="{FF2B5EF4-FFF2-40B4-BE49-F238E27FC236}">
-                <a16:creationId xmlns:a16="http://schemas.microsoft.com/office/drawing/2014/main" id="{2A7AB600-3A1C-5D47-A854-3D7A11D2F84E}"/>
+                <a16:creationId xmlns:a16="http://schemas.microsoft.com/office/drawing/2014/main" id="{0680FFF0-812A-3A21-DEB2-D9F0904D1037}"/>
               </a:ext>
             </a:extLst>
           </p:cNvPr>
@@ -6670,33 +6830,102 @@
             <a:spLocks noGrp="1"/>
           </p:cNvSpPr>
           <p:nvPr>
-            <p:ph type="ctrTitle"/>
+            <p:ph type="subTitle" idx="1"/>
           </p:nvPr>
         </p:nvSpPr>
         <p:spPr>
           <a:xfrm>
-            <a:off x="1147748" y="323681"/>
-            <a:ext cx="7766936" cy="817638"/>
+            <a:off x="966014" y="453154"/>
+            <a:ext cx="9378669" cy="3110626"/>
           </a:xfrm>
         </p:spPr>
         <p:txBody>
-          <a:bodyPr/>
+          <a:bodyPr>
+            <a:normAutofit fontScale="92500" lnSpcReduction="10000"/>
+          </a:bodyPr>
           <a:lstStyle/>
           <a:p>
             <a:pPr algn="l"/>
             <a:r>
-              <a:rPr lang="en-US" sz="4000" b="1" dirty="0">
+              <a:rPr lang="en-US" sz="3200" b="1" dirty="0">
                 <a:solidFill>
                   <a:srgbClr val="92D050"/>
                 </a:solidFill>
               </a:rPr>
-              <a:t>Market Size</a:t>
-            </a:r>
-            <a:endParaRPr lang="en-US" sz="4000" dirty="0">
+              <a:t>Why better ?</a:t>
+            </a:r>
+            <a:endParaRPr lang="en-US" dirty="0">
               <a:solidFill>
-                <a:srgbClr val="92D050"/>
+                <a:schemeClr val="tx1"/>
               </a:solidFill>
             </a:endParaRPr>
+          </a:p>
+          <a:p>
+            <a:pPr algn="l"/>
+            <a:r>
+              <a:rPr lang="en-US" dirty="0">
+                <a:solidFill>
+                  <a:schemeClr val="tx1"/>
+                </a:solidFill>
+              </a:rPr>
+              <a:t>      - Price is cheaper</a:t>
+            </a:r>
+          </a:p>
+          <a:p>
+            <a:pPr algn="l"/>
+            <a:r>
+              <a:rPr lang="en-US" dirty="0">
+                <a:solidFill>
+                  <a:schemeClr val="tx1"/>
+                </a:solidFill>
+              </a:rPr>
+              <a:t>      - Open APIs for community</a:t>
+            </a:r>
+          </a:p>
+          <a:p>
+            <a:pPr algn="l"/>
+            <a:r>
+              <a:rPr lang="en-US" dirty="0">
+                <a:solidFill>
+                  <a:schemeClr val="tx1"/>
+                </a:solidFill>
+              </a:rPr>
+              <a:t>      - Open-source  hardware of sensors</a:t>
+            </a:r>
+          </a:p>
+          <a:p>
+            <a:pPr algn="l"/>
+            <a:r>
+              <a:rPr lang="en-US" dirty="0">
+                <a:solidFill>
+                  <a:schemeClr val="tx1"/>
+                </a:solidFill>
+              </a:rPr>
+              <a:t>      - Integrated  machine to machine and machine learning for smart agriculture</a:t>
+            </a:r>
+          </a:p>
+          <a:p>
+            <a:pPr algn="l"/>
+            <a:r>
+              <a:rPr lang="en-US" dirty="0">
+                <a:solidFill>
+                  <a:schemeClr val="tx1"/>
+                </a:solidFill>
+              </a:rPr>
+              <a:t>      </a:t>
+            </a:r>
+          </a:p>
+          <a:p>
+            <a:pPr algn="l"/>
+            <a:r>
+              <a:rPr lang="en-US" sz="4000" b="1" dirty="0">
+                <a:solidFill>
+                  <a:srgbClr val="92D050"/>
+                </a:solidFill>
+              </a:rPr>
+              <a:t> </a:t>
+            </a:r>
+            <a:endParaRPr lang="en-US" dirty="0"/>
           </a:p>
         </p:txBody>
       </p:sp>
@@ -6853,7 +7082,7 @@
     </p:spTree>
     <p:extLst>
       <p:ext uri="{BB962C8B-B14F-4D97-AF65-F5344CB8AC3E}">
-        <p14:creationId xmlns:p14="http://schemas.microsoft.com/office/powerpoint/2010/main" val="1285793817"/>
+        <p14:creationId xmlns:p14="http://schemas.microsoft.com/office/powerpoint/2010/main" val="3303976745"/>
       </p:ext>
     </p:extLst>
   </p:cSld>
@@ -6913,7 +7142,7 @@
                   <a:srgbClr val="92D050"/>
                 </a:solidFill>
               </a:rPr>
-              <a:t>Product</a:t>
+              <a:t>Technical Advantages </a:t>
             </a:r>
             <a:endParaRPr lang="en-US" sz="4000" dirty="0">
               <a:solidFill>
@@ -7073,10 +7302,71 @@
           </a:p>
         </p:txBody>
       </p:sp>
+      <p:sp>
+        <p:nvSpPr>
+          <p:cNvPr id="8" name="TextBox 7">
+            <a:extLst>
+              <a:ext uri="{FF2B5EF4-FFF2-40B4-BE49-F238E27FC236}">
+                <a16:creationId xmlns:a16="http://schemas.microsoft.com/office/drawing/2014/main" id="{FC77EB6E-2590-5E31-C3CB-B888A97AFA5E}"/>
+              </a:ext>
+            </a:extLst>
+          </p:cNvPr>
+          <p:cNvSpPr txBox="1"/>
+          <p:nvPr/>
+        </p:nvSpPr>
+        <p:spPr>
+          <a:xfrm>
+            <a:off x="1228669" y="1377097"/>
+            <a:ext cx="6101394" cy="1477328"/>
+          </a:xfrm>
+          <a:prstGeom prst="rect">
+            <a:avLst/>
+          </a:prstGeom>
+          <a:noFill/>
+        </p:spPr>
+        <p:txBody>
+          <a:bodyPr wrap="square">
+            <a:spAutoFit/>
+          </a:bodyPr>
+          <a:lstStyle/>
+          <a:p>
+            <a:r>
+              <a:rPr lang="en-US" dirty="0"/>
+              <a:t>- Support data model to add new product </a:t>
+            </a:r>
+          </a:p>
+          <a:p>
+            <a:r>
+              <a:rPr lang="en-US" dirty="0"/>
+              <a:t>- Backup data of device on cloud</a:t>
+            </a:r>
+          </a:p>
+          <a:p>
+            <a:r>
+              <a:rPr lang="en-US" dirty="0"/>
+              <a:t>- Real-time connection between devices</a:t>
+            </a:r>
+          </a:p>
+          <a:p>
+            <a:pPr marL="285750" indent="-285750">
+              <a:buFontTx/>
+              <a:buChar char="-"/>
+            </a:pPr>
+            <a:endParaRPr lang="en-US" dirty="0"/>
+          </a:p>
+          <a:p>
+            <a:pPr marL="285750" indent="-285750">
+              <a:buFontTx/>
+              <a:buChar char="-"/>
+            </a:pPr>
+            <a:endParaRPr lang="en-US" dirty="0"/>
+          </a:p>
+        </p:txBody>
+      </p:sp>
     </p:spTree>
     <p:extLst>
       <p:ext uri="{BB962C8B-B14F-4D97-AF65-F5344CB8AC3E}">
-        <p14:creationId xmlns:p14="http://schemas.microsoft.com/office/powerpoint/2010/main" val="4176307583"/>
+        <p14:creationId xmlns:p14="http://schemas.microsoft.com/office/powerpoint/2010/main" val="1285793817"/>
       </p:ext>
     </p:extLst>
   </p:cSld>
@@ -7136,7 +7426,7 @@
                   <a:srgbClr val="92D050"/>
                 </a:solidFill>
               </a:rPr>
-              <a:t>Business Model</a:t>
+              <a:t>Products</a:t>
             </a:r>
             <a:endParaRPr lang="en-US" sz="4000" dirty="0">
               <a:solidFill>
@@ -7296,10 +7586,226 @@
           </a:p>
         </p:txBody>
       </p:sp>
+      <p:pic>
+        <p:nvPicPr>
+          <p:cNvPr id="4" name="Picture 3" descr="A close-up of a light bulb&#10;&#10;Description automatically generated with medium confidence">
+            <a:extLst>
+              <a:ext uri="{FF2B5EF4-FFF2-40B4-BE49-F238E27FC236}">
+                <a16:creationId xmlns:a16="http://schemas.microsoft.com/office/drawing/2014/main" id="{8CF55460-0764-74F2-0223-24C0057ADFC7}"/>
+              </a:ext>
+            </a:extLst>
+          </p:cNvPr>
+          <p:cNvPicPr>
+            <a:picLocks noChangeAspect="1"/>
+          </p:cNvPicPr>
+          <p:nvPr/>
+        </p:nvPicPr>
+        <p:blipFill>
+          <a:blip r:embed="rId3">
+            <a:extLst>
+              <a:ext uri="{28A0092B-C50C-407E-A947-70E740481C1C}">
+                <a14:useLocalDpi xmlns:a14="http://schemas.microsoft.com/office/drawing/2010/main" val="0"/>
+              </a:ext>
+            </a:extLst>
+          </a:blip>
+          <a:stretch>
+            <a:fillRect/>
+          </a:stretch>
+        </p:blipFill>
+        <p:spPr>
+          <a:xfrm>
+            <a:off x="1485535" y="1206056"/>
+            <a:ext cx="2726431" cy="2385747"/>
+          </a:xfrm>
+          <a:prstGeom prst="rect">
+            <a:avLst/>
+          </a:prstGeom>
+        </p:spPr>
+      </p:pic>
+      <p:pic>
+        <p:nvPicPr>
+          <p:cNvPr id="5" name="Picture 4" descr="A picture containing white, indoor&#10;&#10;Description automatically generated">
+            <a:extLst>
+              <a:ext uri="{FF2B5EF4-FFF2-40B4-BE49-F238E27FC236}">
+                <a16:creationId xmlns:a16="http://schemas.microsoft.com/office/drawing/2014/main" id="{A9E24235-DDE3-4AEE-E9BA-D2DF37B73917}"/>
+              </a:ext>
+            </a:extLst>
+          </p:cNvPr>
+          <p:cNvPicPr>
+            <a:picLocks noChangeAspect="1"/>
+          </p:cNvPicPr>
+          <p:nvPr/>
+        </p:nvPicPr>
+        <p:blipFill>
+          <a:blip r:embed="rId4">
+            <a:extLst>
+              <a:ext uri="{28A0092B-C50C-407E-A947-70E740481C1C}">
+                <a14:useLocalDpi xmlns:a14="http://schemas.microsoft.com/office/drawing/2010/main" val="0"/>
+              </a:ext>
+            </a:extLst>
+          </a:blip>
+          <a:stretch>
+            <a:fillRect/>
+          </a:stretch>
+        </p:blipFill>
+        <p:spPr>
+          <a:xfrm>
+            <a:off x="4549753" y="1098836"/>
+            <a:ext cx="4914900" cy="2771775"/>
+          </a:xfrm>
+          <a:prstGeom prst="rect">
+            <a:avLst/>
+          </a:prstGeom>
+        </p:spPr>
+      </p:pic>
+      <p:pic>
+        <p:nvPicPr>
+          <p:cNvPr id="7" name="Picture 6">
+            <a:extLst>
+              <a:ext uri="{FF2B5EF4-FFF2-40B4-BE49-F238E27FC236}">
+                <a16:creationId xmlns:a16="http://schemas.microsoft.com/office/drawing/2014/main" id="{C247BC60-FB44-B057-D5F9-C3ED6782CF37}"/>
+              </a:ext>
+            </a:extLst>
+          </p:cNvPr>
+          <p:cNvPicPr>
+            <a:picLocks noChangeAspect="1"/>
+          </p:cNvPicPr>
+          <p:nvPr/>
+        </p:nvPicPr>
+        <p:blipFill>
+          <a:blip r:embed="rId5"/>
+          <a:stretch>
+            <a:fillRect/>
+          </a:stretch>
+        </p:blipFill>
+        <p:spPr>
+          <a:xfrm>
+            <a:off x="911311" y="3870611"/>
+            <a:ext cx="3632071" cy="2187540"/>
+          </a:xfrm>
+          <a:prstGeom prst="rect">
+            <a:avLst/>
+          </a:prstGeom>
+        </p:spPr>
+      </p:pic>
+      <p:sp>
+        <p:nvSpPr>
+          <p:cNvPr id="9" name="TextBox 8">
+            <a:extLst>
+              <a:ext uri="{FF2B5EF4-FFF2-40B4-BE49-F238E27FC236}">
+                <a16:creationId xmlns:a16="http://schemas.microsoft.com/office/drawing/2014/main" id="{1AC27597-3BD6-805D-18E3-DAF16EBB31CF}"/>
+              </a:ext>
+            </a:extLst>
+          </p:cNvPr>
+          <p:cNvSpPr txBox="1"/>
+          <p:nvPr/>
+        </p:nvSpPr>
+        <p:spPr>
+          <a:xfrm>
+            <a:off x="4789817" y="3975034"/>
+            <a:ext cx="6101394" cy="2585323"/>
+          </a:xfrm>
+          <a:prstGeom prst="rect">
+            <a:avLst/>
+          </a:prstGeom>
+          <a:noFill/>
+        </p:spPr>
+        <p:txBody>
+          <a:bodyPr wrap="square">
+            <a:spAutoFit/>
+          </a:bodyPr>
+          <a:lstStyle/>
+          <a:p>
+            <a:r>
+              <a:rPr lang="en-US" dirty="0"/>
+              <a:t>Hardware</a:t>
+            </a:r>
+          </a:p>
+          <a:p>
+            <a:pPr marL="285750" indent="-285750">
+              <a:buFontTx/>
+              <a:buChar char="-"/>
+            </a:pPr>
+            <a:r>
+              <a:rPr lang="en-US" dirty="0"/>
+              <a:t>CO2, VOC, pH, Lux, Temperature, Humidity Sensor</a:t>
+            </a:r>
+          </a:p>
+          <a:p>
+            <a:pPr marL="285750" indent="-285750">
+              <a:buFontTx/>
+              <a:buChar char="-"/>
+            </a:pPr>
+            <a:r>
+              <a:rPr lang="en-US" dirty="0"/>
+              <a:t>GPIO controller </a:t>
+            </a:r>
+          </a:p>
+          <a:p>
+            <a:pPr marL="285750" indent="-285750">
+              <a:buFontTx/>
+              <a:buChar char="-"/>
+            </a:pPr>
+            <a:r>
+              <a:rPr lang="en-US" dirty="0"/>
+              <a:t>GPIO Expander</a:t>
+            </a:r>
+          </a:p>
+          <a:p>
+            <a:pPr marL="285750" indent="-285750">
+              <a:buFontTx/>
+              <a:buChar char="-"/>
+            </a:pPr>
+            <a:endParaRPr lang="en-US" dirty="0"/>
+          </a:p>
+          <a:p>
+            <a:r>
+              <a:rPr lang="en-US" dirty="0"/>
+              <a:t>Software </a:t>
+            </a:r>
+          </a:p>
+          <a:p>
+            <a:pPr marL="285750" indent="-285750">
+              <a:buFontTx/>
+              <a:buChar char="-"/>
+            </a:pPr>
+            <a:r>
+              <a:rPr lang="en-US" dirty="0">
+                <a:hlinkClick r:id="rId6"/>
+              </a:rPr>
+              <a:t>https://telua.co/aiot</a:t>
+            </a:r>
+            <a:endParaRPr lang="en-US" dirty="0"/>
+          </a:p>
+          <a:p>
+            <a:pPr marL="285750" indent="-285750">
+              <a:buFontTx/>
+              <a:buChar char="-"/>
+            </a:pPr>
+            <a:r>
+              <a:rPr lang="en-US" dirty="0">
+                <a:hlinkClick r:id="rId7"/>
+              </a:rPr>
+              <a:t>https://telua.co/tmonitor</a:t>
+            </a:r>
+            <a:r>
+              <a:rPr lang="en-US" dirty="0"/>
+              <a:t> </a:t>
+            </a:r>
+          </a:p>
+          <a:p>
+            <a:pPr marL="285750" indent="-285750">
+              <a:buFontTx/>
+              <a:buChar char="-"/>
+            </a:pPr>
+            <a:endParaRPr lang="en-US" dirty="0"/>
+          </a:p>
+        </p:txBody>
+      </p:sp>
     </p:spTree>
     <p:extLst>
       <p:ext uri="{BB962C8B-B14F-4D97-AF65-F5344CB8AC3E}">
-        <p14:creationId xmlns:p14="http://schemas.microsoft.com/office/powerpoint/2010/main" val="3532720498"/>
+        <p14:creationId xmlns:p14="http://schemas.microsoft.com/office/powerpoint/2010/main" val="4176307583"/>
       </p:ext>
     </p:extLst>
   </p:cSld>
@@ -7359,7 +7865,7 @@
                   <a:srgbClr val="92D050"/>
                 </a:solidFill>
               </a:rPr>
-              <a:t>Market Adoption</a:t>
+              <a:t>Demo</a:t>
             </a:r>
             <a:endParaRPr lang="en-US" sz="4000" dirty="0">
               <a:solidFill>
@@ -7519,10 +8025,154 @@
           </a:p>
         </p:txBody>
       </p:sp>
+      <p:sp>
+        <p:nvSpPr>
+          <p:cNvPr id="9" name="TextBox 8">
+            <a:extLst>
+              <a:ext uri="{FF2B5EF4-FFF2-40B4-BE49-F238E27FC236}">
+                <a16:creationId xmlns:a16="http://schemas.microsoft.com/office/drawing/2014/main" id="{1AC27597-3BD6-805D-18E3-DAF16EBB31CF}"/>
+              </a:ext>
+            </a:extLst>
+          </p:cNvPr>
+          <p:cNvSpPr txBox="1"/>
+          <p:nvPr/>
+        </p:nvSpPr>
+        <p:spPr>
+          <a:xfrm>
+            <a:off x="946100" y="1337031"/>
+            <a:ext cx="8610594" cy="3139321"/>
+          </a:xfrm>
+          <a:prstGeom prst="rect">
+            <a:avLst/>
+          </a:prstGeom>
+          <a:noFill/>
+        </p:spPr>
+        <p:txBody>
+          <a:bodyPr wrap="square">
+            <a:spAutoFit/>
+          </a:bodyPr>
+          <a:lstStyle/>
+          <a:p>
+            <a:r>
+              <a:rPr lang="en-US" dirty="0"/>
+              <a:t>Control devices</a:t>
+            </a:r>
+          </a:p>
+          <a:p>
+            <a:r>
+              <a:rPr lang="en-US" dirty="0">
+                <a:hlinkClick r:id="rId3"/>
+              </a:rPr>
+              <a:t>https://telua.co/aiot</a:t>
+            </a:r>
+            <a:r>
+              <a:rPr lang="en-US" dirty="0"/>
+              <a:t>   </a:t>
+            </a:r>
+          </a:p>
+          <a:p>
+            <a:pPr lvl="1"/>
+            <a:r>
+              <a:rPr lang="en-US" dirty="0"/>
+              <a:t>User: letrthong@gmail.com</a:t>
+            </a:r>
+          </a:p>
+          <a:p>
+            <a:pPr lvl="1"/>
+            <a:r>
+              <a:rPr lang="en-US" dirty="0"/>
+              <a:t>Password: 12345678</a:t>
+            </a:r>
+          </a:p>
+          <a:p>
+            <a:endParaRPr lang="en-US" dirty="0">
+              <a:solidFill>
+                <a:schemeClr val="tx2"/>
+              </a:solidFill>
+            </a:endParaRPr>
+          </a:p>
+          <a:p>
+            <a:r>
+              <a:rPr lang="en-US" dirty="0">
+                <a:solidFill>
+                  <a:schemeClr val="tx2"/>
+                </a:solidFill>
+              </a:rPr>
+              <a:t>Weather station</a:t>
+            </a:r>
+            <a:endParaRPr lang="en-US" dirty="0">
+              <a:solidFill>
+                <a:schemeClr val="tx2"/>
+              </a:solidFill>
+              <a:hlinkClick r:id="rId4">
+                <a:extLst>
+                  <a:ext uri="{A12FA001-AC4F-418D-AE19-62706E023703}">
+                    <ahyp:hlinkClr xmlns:ahyp="http://schemas.microsoft.com/office/drawing/2018/hyperlinkcolor" val="tx"/>
+                  </a:ext>
+                </a:extLst>
+              </a:hlinkClick>
+            </a:endParaRPr>
+          </a:p>
+          <a:p>
+            <a:r>
+              <a:rPr lang="en-US" dirty="0">
+                <a:solidFill>
+                  <a:srgbClr val="99CA3C"/>
+                </a:solidFill>
+                <a:hlinkClick r:id="rId4">
+                  <a:extLst>
+                    <a:ext uri="{A12FA001-AC4F-418D-AE19-62706E023703}">
+                      <ahyp:hlinkClr xmlns:ahyp="http://schemas.microsoft.com/office/drawing/2018/hyperlinkcolor" val="tx"/>
+                    </a:ext>
+                  </a:extLst>
+                </a:hlinkClick>
+              </a:rPr>
+              <a:t>https://telua.co/tmonitor</a:t>
+            </a:r>
+            <a:r>
+              <a:rPr lang="en-US" dirty="0"/>
+              <a:t>  </a:t>
+            </a:r>
+          </a:p>
+          <a:p>
+            <a:r>
+              <a:rPr lang="en-US" dirty="0">
+                <a:hlinkClick r:id="rId5"/>
+              </a:rPr>
+              <a:t>https://telua.co/tmonitor#api</a:t>
+            </a:r>
+            <a:r>
+              <a:rPr lang="en-US" dirty="0"/>
+              <a:t> </a:t>
+            </a:r>
+          </a:p>
+          <a:p>
+            <a:endParaRPr lang="en-US" dirty="0"/>
+          </a:p>
+          <a:p>
+            <a:r>
+              <a:rPr lang="en-US" dirty="0"/>
+              <a:t>The visual programming language </a:t>
+            </a:r>
+          </a:p>
+          <a:p>
+            <a:r>
+              <a:rPr lang="en-US" dirty="0">
+                <a:hlinkClick r:id="rId6"/>
+              </a:rPr>
+              <a:t>https://github.com/letrthong/uhes_visual_programing_iot</a:t>
+            </a:r>
+            <a:r>
+              <a:rPr lang="en-US" dirty="0"/>
+              <a:t> </a:t>
+            </a:r>
+          </a:p>
+        </p:txBody>
+      </p:sp>
     </p:spTree>
     <p:extLst>
       <p:ext uri="{BB962C8B-B14F-4D97-AF65-F5344CB8AC3E}">
-        <p14:creationId xmlns:p14="http://schemas.microsoft.com/office/powerpoint/2010/main" val="350613343"/>
+        <p14:creationId xmlns:p14="http://schemas.microsoft.com/office/powerpoint/2010/main" val="674995001"/>
       </p:ext>
     </p:extLst>
   </p:cSld>
@@ -7582,7 +8232,7 @@
                   <a:srgbClr val="92D050"/>
                 </a:solidFill>
               </a:rPr>
-              <a:t>Competition</a:t>
+              <a:t>Business Model</a:t>
             </a:r>
             <a:endParaRPr lang="en-US" sz="4000" dirty="0">
               <a:solidFill>
@@ -7742,10 +8392,271 @@
           </a:p>
         </p:txBody>
       </p:sp>
+      <p:sp>
+        <p:nvSpPr>
+          <p:cNvPr id="4" name="TextBox 3">
+            <a:extLst>
+              <a:ext uri="{FF2B5EF4-FFF2-40B4-BE49-F238E27FC236}">
+                <a16:creationId xmlns:a16="http://schemas.microsoft.com/office/drawing/2014/main" id="{9DD60BC4-D628-9B68-FF81-3AFC63A20553}"/>
+              </a:ext>
+            </a:extLst>
+          </p:cNvPr>
+          <p:cNvSpPr txBox="1"/>
+          <p:nvPr/>
+        </p:nvSpPr>
+        <p:spPr>
+          <a:xfrm>
+            <a:off x="857048" y="1204196"/>
+            <a:ext cx="8836505" cy="923330"/>
+          </a:xfrm>
+          <a:prstGeom prst="rect">
+            <a:avLst/>
+          </a:prstGeom>
+          <a:noFill/>
+        </p:spPr>
+        <p:txBody>
+          <a:bodyPr wrap="square">
+            <a:spAutoFit/>
+          </a:bodyPr>
+          <a:lstStyle/>
+          <a:p>
+            <a:pPr marL="285750" indent="-285750">
+              <a:buFontTx/>
+              <a:buChar char="-"/>
+            </a:pPr>
+            <a:r>
+              <a:rPr lang="en-US" dirty="0"/>
+              <a:t>Sale Sensors, devices</a:t>
+            </a:r>
+          </a:p>
+          <a:p>
+            <a:pPr marL="285750" indent="-285750">
+              <a:buFontTx/>
+              <a:buChar char="-"/>
+            </a:pPr>
+            <a:r>
+              <a:rPr lang="en-US" dirty="0"/>
+              <a:t>A device must pay fee 1$ or 2$ per month if the user has greater than 3 devices</a:t>
+            </a:r>
+          </a:p>
+          <a:p>
+            <a:pPr marL="285750" indent="-285750">
+              <a:buFontTx/>
+              <a:buChar char="-"/>
+            </a:pPr>
+            <a:endParaRPr lang="en-US" dirty="0"/>
+          </a:p>
+        </p:txBody>
+      </p:sp>
+      <p:sp>
+        <p:nvSpPr>
+          <p:cNvPr id="5" name="Flowchart: Connector 4">
+            <a:extLst>
+              <a:ext uri="{FF2B5EF4-FFF2-40B4-BE49-F238E27FC236}">
+                <a16:creationId xmlns:a16="http://schemas.microsoft.com/office/drawing/2014/main" id="{27BBD6B0-F944-2CA7-DF2B-8CF8731FFC25}"/>
+              </a:ext>
+            </a:extLst>
+          </p:cNvPr>
+          <p:cNvSpPr/>
+          <p:nvPr/>
+        </p:nvSpPr>
+        <p:spPr>
+          <a:xfrm>
+            <a:off x="1490962" y="2809701"/>
+            <a:ext cx="1092425" cy="1068148"/>
+          </a:xfrm>
+          <a:prstGeom prst="flowChartConnector">
+            <a:avLst/>
+          </a:prstGeom>
+        </p:spPr>
+        <p:style>
+          <a:lnRef idx="2">
+            <a:schemeClr val="accent1">
+              <a:shade val="15000"/>
+            </a:schemeClr>
+          </a:lnRef>
+          <a:fillRef idx="1">
+            <a:schemeClr val="accent1"/>
+          </a:fillRef>
+          <a:effectRef idx="0">
+            <a:schemeClr val="accent1"/>
+          </a:effectRef>
+          <a:fontRef idx="minor">
+            <a:schemeClr val="lt1"/>
+          </a:fontRef>
+        </p:style>
+        <p:txBody>
+          <a:bodyPr rtlCol="0" anchor="ctr"/>
+          <a:lstStyle/>
+          <a:p>
+            <a:pPr algn="ctr"/>
+            <a:r>
+              <a:rPr lang="en-US" dirty="0"/>
+              <a:t>1000 Users</a:t>
+            </a:r>
+          </a:p>
+        </p:txBody>
+      </p:sp>
+      <p:cxnSp>
+        <p:nvCxnSpPr>
+          <p:cNvPr id="8" name="Straight Arrow Connector 7">
+            <a:extLst>
+              <a:ext uri="{FF2B5EF4-FFF2-40B4-BE49-F238E27FC236}">
+                <a16:creationId xmlns:a16="http://schemas.microsoft.com/office/drawing/2014/main" id="{DAD00FFF-ADE8-F8ED-C021-DB2E2DC0F0CD}"/>
+              </a:ext>
+            </a:extLst>
+          </p:cNvPr>
+          <p:cNvCxnSpPr/>
+          <p:nvPr/>
+        </p:nvCxnSpPr>
+        <p:spPr>
+          <a:xfrm>
+            <a:off x="2646094" y="3429000"/>
+            <a:ext cx="1302818" cy="0"/>
+          </a:xfrm>
+          <a:prstGeom prst="straightConnector1">
+            <a:avLst/>
+          </a:prstGeom>
+          <a:ln>
+            <a:tailEnd type="triangle"/>
+          </a:ln>
+        </p:spPr>
+        <p:style>
+          <a:lnRef idx="1">
+            <a:schemeClr val="accent1"/>
+          </a:lnRef>
+          <a:fillRef idx="0">
+            <a:schemeClr val="accent1"/>
+          </a:fillRef>
+          <a:effectRef idx="0">
+            <a:schemeClr val="accent1"/>
+          </a:effectRef>
+          <a:fontRef idx="minor">
+            <a:schemeClr val="tx1"/>
+          </a:fontRef>
+        </p:style>
+      </p:cxnSp>
+      <p:sp>
+        <p:nvSpPr>
+          <p:cNvPr id="10" name="TextBox 9">
+            <a:extLst>
+              <a:ext uri="{FF2B5EF4-FFF2-40B4-BE49-F238E27FC236}">
+                <a16:creationId xmlns:a16="http://schemas.microsoft.com/office/drawing/2014/main" id="{136F4585-140F-2DEC-B975-638B33E98D37}"/>
+              </a:ext>
+            </a:extLst>
+          </p:cNvPr>
+          <p:cNvSpPr txBox="1"/>
+          <p:nvPr/>
+        </p:nvSpPr>
+        <p:spPr>
+          <a:xfrm>
+            <a:off x="3948912" y="3167390"/>
+            <a:ext cx="946767" cy="523220"/>
+          </a:xfrm>
+          <a:prstGeom prst="rect">
+            <a:avLst/>
+          </a:prstGeom>
+          <a:noFill/>
+        </p:spPr>
+        <p:txBody>
+          <a:bodyPr wrap="square">
+            <a:spAutoFit/>
+          </a:bodyPr>
+          <a:lstStyle/>
+          <a:p>
+            <a:r>
+              <a:rPr lang="en-US" sz="2800" b="1" dirty="0">
+                <a:solidFill>
+                  <a:schemeClr val="accent1"/>
+                </a:solidFill>
+              </a:rPr>
+              <a:t>$5</a:t>
+            </a:r>
+          </a:p>
+        </p:txBody>
+      </p:sp>
+      <p:cxnSp>
+        <p:nvCxnSpPr>
+          <p:cNvPr id="11" name="Straight Arrow Connector 10">
+            <a:extLst>
+              <a:ext uri="{FF2B5EF4-FFF2-40B4-BE49-F238E27FC236}">
+                <a16:creationId xmlns:a16="http://schemas.microsoft.com/office/drawing/2014/main" id="{A9C03651-7C98-AAE2-C712-9671F1021049}"/>
+              </a:ext>
+            </a:extLst>
+          </p:cNvPr>
+          <p:cNvCxnSpPr/>
+          <p:nvPr/>
+        </p:nvCxnSpPr>
+        <p:spPr>
+          <a:xfrm>
+            <a:off x="4623892" y="3429000"/>
+            <a:ext cx="1302818" cy="0"/>
+          </a:xfrm>
+          <a:prstGeom prst="straightConnector1">
+            <a:avLst/>
+          </a:prstGeom>
+          <a:ln>
+            <a:tailEnd type="triangle"/>
+          </a:ln>
+        </p:spPr>
+        <p:style>
+          <a:lnRef idx="1">
+            <a:schemeClr val="accent1"/>
+          </a:lnRef>
+          <a:fillRef idx="0">
+            <a:schemeClr val="accent1"/>
+          </a:fillRef>
+          <a:effectRef idx="0">
+            <a:schemeClr val="accent1"/>
+          </a:effectRef>
+          <a:fontRef idx="minor">
+            <a:schemeClr val="tx1"/>
+          </a:fontRef>
+        </p:style>
+      </p:cxnSp>
+      <p:sp>
+        <p:nvSpPr>
+          <p:cNvPr id="12" name="TextBox 11">
+            <a:extLst>
+              <a:ext uri="{FF2B5EF4-FFF2-40B4-BE49-F238E27FC236}">
+                <a16:creationId xmlns:a16="http://schemas.microsoft.com/office/drawing/2014/main" id="{270977F8-772F-008F-F6E1-9F9D4112BAFF}"/>
+              </a:ext>
+            </a:extLst>
+          </p:cNvPr>
+          <p:cNvSpPr txBox="1"/>
+          <p:nvPr/>
+        </p:nvSpPr>
+        <p:spPr>
+          <a:xfrm>
+            <a:off x="5926710" y="3167390"/>
+            <a:ext cx="1336536" cy="523220"/>
+          </a:xfrm>
+          <a:prstGeom prst="rect">
+            <a:avLst/>
+          </a:prstGeom>
+          <a:noFill/>
+        </p:spPr>
+        <p:txBody>
+          <a:bodyPr wrap="square">
+            <a:spAutoFit/>
+          </a:bodyPr>
+          <a:lstStyle/>
+          <a:p>
+            <a:r>
+              <a:rPr lang="en-US" sz="2800" b="1" dirty="0">
+                <a:solidFill>
+                  <a:schemeClr val="accent1"/>
+                </a:solidFill>
+              </a:rPr>
+              <a:t>$5000</a:t>
+            </a:r>
+          </a:p>
+        </p:txBody>
+      </p:sp>
     </p:spTree>
     <p:extLst>
       <p:ext uri="{BB962C8B-B14F-4D97-AF65-F5344CB8AC3E}">
-        <p14:creationId xmlns:p14="http://schemas.microsoft.com/office/powerpoint/2010/main" val="3622370813"/>
+        <p14:creationId xmlns:p14="http://schemas.microsoft.com/office/powerpoint/2010/main" val="3532720498"/>
       </p:ext>
     </p:extLst>
   </p:cSld>
@@ -7805,7 +8716,7 @@
                   <a:srgbClr val="92D050"/>
                 </a:solidFill>
               </a:rPr>
-              <a:t>Competitive Advantages</a:t>
+              <a:t>Competition</a:t>
             </a:r>
             <a:endParaRPr lang="en-US" sz="4000" dirty="0">
               <a:solidFill>
@@ -7965,10 +8876,87 @@
           </a:p>
         </p:txBody>
       </p:sp>
+      <p:pic>
+        <p:nvPicPr>
+          <p:cNvPr id="4" name="Picture 3" descr="A red rectangle with white text&#10;&#10;Description automatically generated with medium confidence">
+            <a:extLst>
+              <a:ext uri="{FF2B5EF4-FFF2-40B4-BE49-F238E27FC236}">
+                <a16:creationId xmlns:a16="http://schemas.microsoft.com/office/drawing/2014/main" id="{90D302F4-5037-A381-7B4A-0A52E3B6C8E8}"/>
+              </a:ext>
+            </a:extLst>
+          </p:cNvPr>
+          <p:cNvPicPr>
+            <a:picLocks noChangeAspect="1"/>
+          </p:cNvPicPr>
+          <p:nvPr/>
+        </p:nvPicPr>
+        <p:blipFill>
+          <a:blip r:embed="rId3">
+            <a:extLst>
+              <a:ext uri="{28A0092B-C50C-407E-A947-70E740481C1C}">
+                <a14:useLocalDpi xmlns:a14="http://schemas.microsoft.com/office/drawing/2010/main" val="0"/>
+              </a:ext>
+            </a:extLst>
+          </a:blip>
+          <a:stretch>
+            <a:fillRect/>
+          </a:stretch>
+        </p:blipFill>
+        <p:spPr>
+          <a:xfrm>
+            <a:off x="1147748" y="1479915"/>
+            <a:ext cx="2952750" cy="1552575"/>
+          </a:xfrm>
+          <a:prstGeom prst="rect">
+            <a:avLst/>
+          </a:prstGeom>
+        </p:spPr>
+      </p:pic>
+      <p:sp>
+        <p:nvSpPr>
+          <p:cNvPr id="5" name="TextBox 4">
+            <a:extLst>
+              <a:ext uri="{FF2B5EF4-FFF2-40B4-BE49-F238E27FC236}">
+                <a16:creationId xmlns:a16="http://schemas.microsoft.com/office/drawing/2014/main" id="{65531257-B1FC-4536-33E5-E721D32E2647}"/>
+              </a:ext>
+            </a:extLst>
+          </p:cNvPr>
+          <p:cNvSpPr txBox="1"/>
+          <p:nvPr/>
+        </p:nvSpPr>
+        <p:spPr>
+          <a:xfrm>
+            <a:off x="1618406" y="2970656"/>
+            <a:ext cx="2864581" cy="276999"/>
+          </a:xfrm>
+          <a:prstGeom prst="rect">
+            <a:avLst/>
+          </a:prstGeom>
+          <a:noFill/>
+        </p:spPr>
+        <p:txBody>
+          <a:bodyPr wrap="square">
+            <a:spAutoFit/>
+          </a:bodyPr>
+          <a:lstStyle/>
+          <a:p>
+            <a:r>
+              <a:rPr lang="en-US" sz="1200" dirty="0">
+                <a:hlinkClick r:id="rId4"/>
+              </a:rPr>
+              <a:t>https://www.tuya.com/</a:t>
+            </a:r>
+            <a:r>
+              <a:rPr lang="en-US" sz="1200" dirty="0"/>
+              <a:t> </a:t>
+            </a:r>
+          </a:p>
+        </p:txBody>
+      </p:sp>
     </p:spTree>
     <p:extLst>
       <p:ext uri="{BB962C8B-B14F-4D97-AF65-F5344CB8AC3E}">
-        <p14:creationId xmlns:p14="http://schemas.microsoft.com/office/powerpoint/2010/main" val="2631187668"/>
+        <p14:creationId xmlns:p14="http://schemas.microsoft.com/office/powerpoint/2010/main" val="3622370813"/>
       </p:ext>
     </p:extLst>
   </p:cSld>

--- a/esp32_hardware/Telua_Pitch_Deck.pptx
+++ b/esp32_hardware/Telua_Pitch_Deck.pptx
@@ -6590,7 +6590,7 @@
                   <a:schemeClr val="tx1"/>
                 </a:solidFill>
               </a:rPr>
-              <a:t>      - License  of software is  expensive</a:t>
+              <a:t>      - The license  of software is  expensive</a:t>
             </a:r>
           </a:p>
           <a:p>
@@ -6901,7 +6901,7 @@
                   <a:schemeClr val="tx1"/>
                 </a:solidFill>
               </a:rPr>
-              <a:t>      - Integrated  machine to machine and machine learning for smart agriculture</a:t>
+              <a:t>      - Integrate  machine to machine and machine learning for smart agriculture</a:t>
             </a:r>
           </a:p>
           <a:p>

--- a/esp32_hardware/Telua_Pitch_Deck.pptx
+++ b/esp32_hardware/Telua_Pitch_Deck.pptx
@@ -7338,7 +7338,7 @@
           <a:p>
             <a:r>
               <a:rPr lang="en-US" dirty="0"/>
-              <a:t>- Backup data of device on cloud</a:t>
+              <a:t>- Backup data on cloud</a:t>
             </a:r>
           </a:p>
           <a:p>
@@ -8040,7 +8040,7 @@
         <p:spPr>
           <a:xfrm>
             <a:off x="946100" y="1337031"/>
-            <a:ext cx="8610594" cy="3139321"/>
+            <a:ext cx="8610594" cy="2862322"/>
           </a:xfrm>
           <a:prstGeom prst="rect">
             <a:avLst/>
@@ -8100,65 +8100,38 @@
               </a:rPr>
               <a:t>Weather station</a:t>
             </a:r>
-            <a:endParaRPr lang="en-US" dirty="0">
-              <a:solidFill>
-                <a:schemeClr val="tx2"/>
-              </a:solidFill>
-              <a:hlinkClick r:id="rId4">
-                <a:extLst>
-                  <a:ext uri="{A12FA001-AC4F-418D-AE19-62706E023703}">
-                    <ahyp:hlinkClr xmlns:ahyp="http://schemas.microsoft.com/office/drawing/2018/hyperlinkcolor" val="tx"/>
-                  </a:ext>
-                </a:extLst>
-              </a:hlinkClick>
-            </a:endParaRPr>
-          </a:p>
-          <a:p>
+          </a:p>
+          <a:p>
+            <a:r>
+              <a:rPr lang="en-US">
+                <a:hlinkClick r:id="rId4"/>
+              </a:rPr>
+              <a:t>https</a:t>
+            </a:r>
             <a:r>
               <a:rPr lang="en-US" dirty="0">
-                <a:solidFill>
-                  <a:srgbClr val="99CA3C"/>
-                </a:solidFill>
-                <a:hlinkClick r:id="rId4">
-                  <a:extLst>
-                    <a:ext uri="{A12FA001-AC4F-418D-AE19-62706E023703}">
-                      <ahyp:hlinkClr xmlns:ahyp="http://schemas.microsoft.com/office/drawing/2018/hyperlinkcolor" val="tx"/>
-                    </a:ext>
-                  </a:extLst>
-                </a:hlinkClick>
+                <a:hlinkClick r:id="rId4"/>
               </a:rPr>
-              <a:t>https://telua.co/tmonitor</a:t>
+              <a:t>://telua.co/tmonitor#api</a:t>
             </a:r>
             <a:r>
               <a:rPr lang="en-US" dirty="0"/>
-              <a:t>  </a:t>
+              <a:t> </a:t>
+            </a:r>
+          </a:p>
+          <a:p>
+            <a:endParaRPr lang="en-US" dirty="0"/>
+          </a:p>
+          <a:p>
+            <a:r>
+              <a:rPr lang="en-US" dirty="0"/>
+              <a:t>The visual programming language </a:t>
             </a:r>
           </a:p>
           <a:p>
             <a:r>
               <a:rPr lang="en-US" dirty="0">
                 <a:hlinkClick r:id="rId5"/>
-              </a:rPr>
-              <a:t>https://telua.co/tmonitor#api</a:t>
-            </a:r>
-            <a:r>
-              <a:rPr lang="en-US" dirty="0"/>
-              <a:t> </a:t>
-            </a:r>
-          </a:p>
-          <a:p>
-            <a:endParaRPr lang="en-US" dirty="0"/>
-          </a:p>
-          <a:p>
-            <a:r>
-              <a:rPr lang="en-US" dirty="0"/>
-              <a:t>The visual programming language </a:t>
-            </a:r>
-          </a:p>
-          <a:p>
-            <a:r>
-              <a:rPr lang="en-US" dirty="0">
-                <a:hlinkClick r:id="rId6"/>
               </a:rPr>
               <a:t>https://github.com/letrthong/uhes_visual_programing_iot</a:t>
             </a:r>

--- a/esp32_hardware/Telua_Pitch_Deck.pptx
+++ b/esp32_hardware/Telua_Pitch_Deck.pptx
@@ -14,6 +14,7 @@
     <p:sldId id="265" r:id="rId8"/>
     <p:sldId id="261" r:id="rId9"/>
     <p:sldId id="263" r:id="rId10"/>
+    <p:sldId id="266" r:id="rId11"/>
   </p:sldIdLst>
   <p:sldSz cx="12192000" cy="6858000"/>
   <p:notesSz cx="6858000" cy="9144000"/>
@@ -842,7 +843,7 @@
           <a:p>
             <a:fld id="{07CBA146-573C-4F88-985D-B7F159619A21}" type="datetimeFigureOut">
               <a:rPr lang="en-US" smtClean="0"/>
-              <a:t>6/16/2023</a:t>
+              <a:t>6/18/2023</a:t>
             </a:fld>
             <a:endParaRPr lang="en-US"/>
           </a:p>
@@ -1093,7 +1094,7 @@
           <a:p>
             <a:fld id="{07CBA146-573C-4F88-985D-B7F159619A21}" type="datetimeFigureOut">
               <a:rPr lang="en-US" smtClean="0"/>
-              <a:t>6/16/2023</a:t>
+              <a:t>6/18/2023</a:t>
             </a:fld>
             <a:endParaRPr lang="en-US"/>
           </a:p>
@@ -1407,7 +1408,7 @@
           <a:p>
             <a:fld id="{07CBA146-573C-4F88-985D-B7F159619A21}" type="datetimeFigureOut">
               <a:rPr lang="en-US" smtClean="0"/>
-              <a:t>6/16/2023</a:t>
+              <a:t>6/18/2023</a:t>
             </a:fld>
             <a:endParaRPr lang="en-US"/>
           </a:p>
@@ -1748,7 +1749,7 @@
           <a:p>
             <a:fld id="{07CBA146-573C-4F88-985D-B7F159619A21}" type="datetimeFigureOut">
               <a:rPr lang="en-US" smtClean="0"/>
-              <a:t>6/16/2023</a:t>
+              <a:t>6/18/2023</a:t>
             </a:fld>
             <a:endParaRPr lang="en-US"/>
           </a:p>
@@ -2062,7 +2063,7 @@
           <a:p>
             <a:fld id="{07CBA146-573C-4F88-985D-B7F159619A21}" type="datetimeFigureOut">
               <a:rPr lang="en-US" smtClean="0"/>
-              <a:t>6/16/2023</a:t>
+              <a:t>6/18/2023</a:t>
             </a:fld>
             <a:endParaRPr lang="en-US"/>
           </a:p>
@@ -2455,7 +2456,7 @@
           <a:p>
             <a:fld id="{07CBA146-573C-4F88-985D-B7F159619A21}" type="datetimeFigureOut">
               <a:rPr lang="en-US" smtClean="0"/>
-              <a:t>6/16/2023</a:t>
+              <a:t>6/18/2023</a:t>
             </a:fld>
             <a:endParaRPr lang="en-US"/>
           </a:p>
@@ -2625,7 +2626,7 @@
           <a:p>
             <a:fld id="{07CBA146-573C-4F88-985D-B7F159619A21}" type="datetimeFigureOut">
               <a:rPr lang="en-US" smtClean="0"/>
-              <a:t>6/16/2023</a:t>
+              <a:t>6/18/2023</a:t>
             </a:fld>
             <a:endParaRPr lang="en-US"/>
           </a:p>
@@ -2805,7 +2806,7 @@
           <a:p>
             <a:fld id="{07CBA146-573C-4F88-985D-B7F159619A21}" type="datetimeFigureOut">
               <a:rPr lang="en-US" smtClean="0"/>
-              <a:t>6/16/2023</a:t>
+              <a:t>6/18/2023</a:t>
             </a:fld>
             <a:endParaRPr lang="en-US"/>
           </a:p>
@@ -2981,7 +2982,7 @@
           <a:p>
             <a:fld id="{07CBA146-573C-4F88-985D-B7F159619A21}" type="datetimeFigureOut">
               <a:rPr lang="en-US" smtClean="0"/>
-              <a:t>6/16/2023</a:t>
+              <a:t>6/18/2023</a:t>
             </a:fld>
             <a:endParaRPr lang="en-US"/>
           </a:p>
@@ -3228,7 +3229,7 @@
           <a:p>
             <a:fld id="{07CBA146-573C-4F88-985D-B7F159619A21}" type="datetimeFigureOut">
               <a:rPr lang="en-US" smtClean="0"/>
-              <a:t>6/16/2023</a:t>
+              <a:t>6/18/2023</a:t>
             </a:fld>
             <a:endParaRPr lang="en-US"/>
           </a:p>
@@ -3460,7 +3461,7 @@
           <a:p>
             <a:fld id="{07CBA146-573C-4F88-985D-B7F159619A21}" type="datetimeFigureOut">
               <a:rPr lang="en-US" smtClean="0"/>
-              <a:t>6/16/2023</a:t>
+              <a:t>6/18/2023</a:t>
             </a:fld>
             <a:endParaRPr lang="en-US"/>
           </a:p>
@@ -3834,7 +3835,7 @@
           <a:p>
             <a:fld id="{07CBA146-573C-4F88-985D-B7F159619A21}" type="datetimeFigureOut">
               <a:rPr lang="en-US" smtClean="0"/>
-              <a:t>6/16/2023</a:t>
+              <a:t>6/18/2023</a:t>
             </a:fld>
             <a:endParaRPr lang="en-US"/>
           </a:p>
@@ -3957,7 +3958,7 @@
           <a:p>
             <a:fld id="{07CBA146-573C-4F88-985D-B7F159619A21}" type="datetimeFigureOut">
               <a:rPr lang="en-US" smtClean="0"/>
-              <a:t>6/16/2023</a:t>
+              <a:t>6/18/2023</a:t>
             </a:fld>
             <a:endParaRPr lang="en-US"/>
           </a:p>
@@ -4052,7 +4053,7 @@
           <a:p>
             <a:fld id="{07CBA146-573C-4F88-985D-B7F159619A21}" type="datetimeFigureOut">
               <a:rPr lang="en-US" smtClean="0"/>
-              <a:t>6/16/2023</a:t>
+              <a:t>6/18/2023</a:t>
             </a:fld>
             <a:endParaRPr lang="en-US"/>
           </a:p>
@@ -4307,7 +4308,7 @@
           <a:p>
             <a:fld id="{07CBA146-573C-4F88-985D-B7F159619A21}" type="datetimeFigureOut">
               <a:rPr lang="en-US" smtClean="0"/>
-              <a:t>6/16/2023</a:t>
+              <a:t>6/18/2023</a:t>
             </a:fld>
             <a:endParaRPr lang="en-US"/>
           </a:p>
@@ -4570,7 +4571,7 @@
           <a:p>
             <a:fld id="{07CBA146-573C-4F88-985D-B7F159619A21}" type="datetimeFigureOut">
               <a:rPr lang="en-US" smtClean="0"/>
-              <a:t>6/16/2023</a:t>
+              <a:t>6/18/2023</a:t>
             </a:fld>
             <a:endParaRPr lang="en-US"/>
           </a:p>
@@ -5313,7 +5314,7 @@
           <a:p>
             <a:fld id="{07CBA146-573C-4F88-985D-B7F159619A21}" type="datetimeFigureOut">
               <a:rPr lang="en-US" smtClean="0"/>
-              <a:t>6/16/2023</a:t>
+              <a:t>6/18/2023</a:t>
             </a:fld>
             <a:endParaRPr lang="en-US"/>
           </a:p>
@@ -6124,6 +6125,320 @@
 </p:sld>
 </file>
 
+<file path=ppt/slides/slide10.xml><?xml version="1.0" encoding="utf-8"?>
+<p:sld xmlns:a="http://schemas.openxmlformats.org/drawingml/2006/main" xmlns:r="http://schemas.openxmlformats.org/officeDocument/2006/relationships" xmlns:p="http://schemas.openxmlformats.org/presentationml/2006/main">
+  <p:cSld>
+    <p:spTree>
+      <p:nvGrpSpPr>
+        <p:cNvPr id="1" name=""/>
+        <p:cNvGrpSpPr/>
+        <p:nvPr/>
+      </p:nvGrpSpPr>
+      <p:grpSpPr>
+        <a:xfrm>
+          <a:off x="0" y="0"/>
+          <a:ext cx="0" cy="0"/>
+          <a:chOff x="0" y="0"/>
+          <a:chExt cx="0" cy="0"/>
+        </a:xfrm>
+      </p:grpSpPr>
+      <p:sp>
+        <p:nvSpPr>
+          <p:cNvPr id="2" name="Title 1">
+            <a:extLst>
+              <a:ext uri="{FF2B5EF4-FFF2-40B4-BE49-F238E27FC236}">
+                <a16:creationId xmlns:a16="http://schemas.microsoft.com/office/drawing/2014/main" id="{E7F1C67B-22F5-C92F-90CF-890B45D9732A}"/>
+              </a:ext>
+            </a:extLst>
+          </p:cNvPr>
+          <p:cNvSpPr>
+            <a:spLocks noGrp="1"/>
+          </p:cNvSpPr>
+          <p:nvPr>
+            <p:ph type="title"/>
+          </p:nvPr>
+        </p:nvSpPr>
+        <p:spPr>
+          <a:xfrm>
+            <a:off x="766786" y="455516"/>
+            <a:ext cx="8596668" cy="722243"/>
+          </a:xfrm>
+        </p:spPr>
+        <p:txBody>
+          <a:bodyPr/>
+          <a:lstStyle/>
+          <a:p>
+            <a:r>
+              <a:rPr lang="en-US" dirty="0"/>
+              <a:t>Some startup companies  in Vietnam</a:t>
+            </a:r>
+          </a:p>
+        </p:txBody>
+      </p:sp>
+      <p:sp>
+        <p:nvSpPr>
+          <p:cNvPr id="3" name="Content Placeholder 2">
+            <a:extLst>
+              <a:ext uri="{FF2B5EF4-FFF2-40B4-BE49-F238E27FC236}">
+                <a16:creationId xmlns:a16="http://schemas.microsoft.com/office/drawing/2014/main" id="{C151FE5F-1BEF-F430-8E2C-6F97D9EF92A1}"/>
+              </a:ext>
+            </a:extLst>
+          </p:cNvPr>
+          <p:cNvSpPr>
+            <a:spLocks noGrp="1"/>
+          </p:cNvSpPr>
+          <p:nvPr>
+            <p:ph idx="1"/>
+          </p:nvPr>
+        </p:nvSpPr>
+        <p:spPr>
+          <a:xfrm>
+            <a:off x="329463" y="1496654"/>
+            <a:ext cx="9301553" cy="3864692"/>
+          </a:xfrm>
+        </p:spPr>
+        <p:txBody>
+          <a:bodyPr/>
+          <a:lstStyle/>
+          <a:p>
+            <a:r>
+              <a:rPr lang="en-US" dirty="0">
+                <a:solidFill>
+                  <a:schemeClr val="tx2"/>
+                </a:solidFill>
+                <a:hlinkClick r:id="rId2">
+                  <a:extLst>
+                    <a:ext uri="{A12FA001-AC4F-418D-AE19-62706E023703}">
+                      <ahyp:hlinkClr xmlns:ahyp="http://schemas.microsoft.com/office/drawing/2018/hyperlinkcolor" val="tx"/>
+                    </a:ext>
+                  </a:extLst>
+                </a:hlinkClick>
+              </a:rPr>
+              <a:t>https://tmonitor.live/</a:t>
+            </a:r>
+            <a:r>
+              <a:rPr lang="en-US" dirty="0">
+                <a:solidFill>
+                  <a:schemeClr val="tx2"/>
+                </a:solidFill>
+              </a:rPr>
+              <a:t>                            </a:t>
+            </a:r>
+          </a:p>
+          <a:p>
+            <a:r>
+              <a:rPr lang="en-US" dirty="0">
+                <a:solidFill>
+                  <a:schemeClr val="tx2"/>
+                </a:solidFill>
+                <a:hlinkClick r:id="rId3">
+                  <a:extLst>
+                    <a:ext uri="{A12FA001-AC4F-418D-AE19-62706E023703}">
+                      <ahyp:hlinkClr xmlns:ahyp="http://schemas.microsoft.com/office/drawing/2018/hyperlinkcolor" val="tx"/>
+                    </a:ext>
+                  </a:extLst>
+                </a:hlinkClick>
+              </a:rPr>
+              <a:t>https://weatherplus.vn/</a:t>
+            </a:r>
+            <a:r>
+              <a:rPr lang="en-US" dirty="0">
+                <a:solidFill>
+                  <a:schemeClr val="tx2"/>
+                </a:solidFill>
+              </a:rPr>
+              <a:t> </a:t>
+            </a:r>
+          </a:p>
+          <a:p>
+            <a:r>
+              <a:rPr lang="en-US" dirty="0">
+                <a:solidFill>
+                  <a:schemeClr val="tx2"/>
+                </a:solidFill>
+                <a:hlinkClick r:id="rId4">
+                  <a:extLst>
+                    <a:ext uri="{A12FA001-AC4F-418D-AE19-62706E023703}">
+                      <ahyp:hlinkClr xmlns:ahyp="http://schemas.microsoft.com/office/drawing/2018/hyperlinkcolor" val="tx"/>
+                    </a:ext>
+                  </a:extLst>
+                </a:hlinkClick>
+              </a:rPr>
+              <a:t>https://www.lotoda.vn/</a:t>
+            </a:r>
+            <a:r>
+              <a:rPr lang="en-US" dirty="0">
+                <a:solidFill>
+                  <a:schemeClr val="tx2"/>
+                </a:solidFill>
+              </a:rPr>
+              <a:t> </a:t>
+            </a:r>
+          </a:p>
+          <a:p>
+            <a:r>
+              <a:rPr lang="en-US" dirty="0">
+                <a:solidFill>
+                  <a:schemeClr val="tx2"/>
+                </a:solidFill>
+                <a:hlinkClick r:id="rId5">
+                  <a:extLst>
+                    <a:ext uri="{A12FA001-AC4F-418D-AE19-62706E023703}">
+                      <ahyp:hlinkClr xmlns:ahyp="http://schemas.microsoft.com/office/drawing/2018/hyperlinkcolor" val="tx"/>
+                    </a:ext>
+                  </a:extLst>
+                </a:hlinkClick>
+              </a:rPr>
+              <a:t>https://eplusi.net/</a:t>
+            </a:r>
+            <a:r>
+              <a:rPr lang="en-US" dirty="0">
+                <a:solidFill>
+                  <a:schemeClr val="tx2"/>
+                </a:solidFill>
+              </a:rPr>
+              <a:t>  </a:t>
+            </a:r>
+          </a:p>
+          <a:p>
+            <a:r>
+              <a:rPr lang="en-US" dirty="0">
+                <a:solidFill>
+                  <a:schemeClr val="tx2"/>
+                </a:solidFill>
+                <a:hlinkClick r:id="rId6">
+                  <a:extLst>
+                    <a:ext uri="{A12FA001-AC4F-418D-AE19-62706E023703}">
+                      <ahyp:hlinkClr xmlns:ahyp="http://schemas.microsoft.com/office/drawing/2018/hyperlinkcolor" val="tx"/>
+                    </a:ext>
+                  </a:extLst>
+                </a:hlinkClick>
+              </a:rPr>
+              <a:t>https://www.nextfarm.vn</a:t>
+            </a:r>
+            <a:r>
+              <a:rPr lang="en-US" dirty="0">
+                <a:solidFill>
+                  <a:schemeClr val="tx2"/>
+                </a:solidFill>
+              </a:rPr>
+              <a:t> </a:t>
+            </a:r>
+          </a:p>
+          <a:p>
+            <a:r>
+              <a:rPr lang="en-US" dirty="0">
+                <a:solidFill>
+                  <a:schemeClr val="tx2"/>
+                </a:solidFill>
+                <a:hlinkClick r:id="rId7">
+                  <a:extLst>
+                    <a:ext uri="{A12FA001-AC4F-418D-AE19-62706E023703}">
+                      <ahyp:hlinkClr xmlns:ahyp="http://schemas.microsoft.com/office/drawing/2018/hyperlinkcolor" val="tx"/>
+                    </a:ext>
+                  </a:extLst>
+                </a:hlinkClick>
+              </a:rPr>
+              <a:t>https://farmext.com/</a:t>
+            </a:r>
+            <a:r>
+              <a:rPr lang="en-US" dirty="0">
+                <a:solidFill>
+                  <a:schemeClr val="tx2"/>
+                </a:solidFill>
+              </a:rPr>
+              <a:t> </a:t>
+            </a:r>
+          </a:p>
+          <a:p>
+            <a:r>
+              <a:rPr lang="en-US" dirty="0">
+                <a:solidFill>
+                  <a:schemeClr val="tx2"/>
+                </a:solidFill>
+              </a:rPr>
+              <a:t> </a:t>
+            </a:r>
+            <a:r>
+              <a:rPr lang="en-US" dirty="0">
+                <a:solidFill>
+                  <a:schemeClr val="tx2"/>
+                </a:solidFill>
+                <a:hlinkClick r:id="rId8">
+                  <a:extLst>
+                    <a:ext uri="{A12FA001-AC4F-418D-AE19-62706E023703}">
+                      <ahyp:hlinkClr xmlns:ahyp="http://schemas.microsoft.com/office/drawing/2018/hyperlinkcolor" val="tx"/>
+                    </a:ext>
+                  </a:extLst>
+                </a:hlinkClick>
+              </a:rPr>
+              <a:t>https://dqsmart.vn/san-pham/thiet-bi-cam-bien-nhiet-do-do-am/</a:t>
+            </a:r>
+            <a:r>
+              <a:rPr lang="en-US" dirty="0">
+                <a:solidFill>
+                  <a:schemeClr val="tx2"/>
+                </a:solidFill>
+              </a:rPr>
+              <a:t>  ( </a:t>
+            </a:r>
+            <a:r>
+              <a:rPr lang="en-US" dirty="0" err="1">
+                <a:solidFill>
+                  <a:schemeClr val="tx2"/>
+                </a:solidFill>
+              </a:rPr>
+              <a:t>Điện</a:t>
+            </a:r>
+            <a:r>
+              <a:rPr lang="en-US" dirty="0">
+                <a:solidFill>
+                  <a:schemeClr val="tx2"/>
+                </a:solidFill>
+              </a:rPr>
+              <a:t> Quang) </a:t>
+            </a:r>
+          </a:p>
+          <a:p>
+            <a:r>
+              <a:rPr lang="en-US" dirty="0">
+                <a:solidFill>
+                  <a:schemeClr val="tx2"/>
+                </a:solidFill>
+                <a:hlinkClick r:id="rId9">
+                  <a:extLst>
+                    <a:ext uri="{A12FA001-AC4F-418D-AE19-62706E023703}">
+                      <ahyp:hlinkClr xmlns:ahyp="http://schemas.microsoft.com/office/drawing/2018/hyperlinkcolor" val="tx"/>
+                    </a:ext>
+                  </a:extLst>
+                </a:hlinkClick>
+              </a:rPr>
+              <a:t>https://www.aquaeasy.life/</a:t>
+            </a:r>
+            <a:r>
+              <a:rPr lang="en-US" dirty="0">
+                <a:solidFill>
+                  <a:schemeClr val="tx2"/>
+                </a:solidFill>
+              </a:rPr>
+              <a:t>  ( Bosch ) </a:t>
+            </a:r>
+          </a:p>
+        </p:txBody>
+      </p:sp>
+    </p:spTree>
+    <p:extLst>
+      <p:ext uri="{BB962C8B-B14F-4D97-AF65-F5344CB8AC3E}">
+        <p14:creationId xmlns:p14="http://schemas.microsoft.com/office/powerpoint/2010/main" val="2521402455"/>
+      </p:ext>
+    </p:extLst>
+  </p:cSld>
+  <p:clrMapOvr>
+    <a:masterClrMapping/>
+  </p:clrMapOvr>
+</p:sld>
+</file>
+
 <file path=ppt/slides/slide2.xml><?xml version="1.0" encoding="utf-8"?>
 <p:sld xmlns:a="http://schemas.openxmlformats.org/drawingml/2006/main" xmlns:r="http://schemas.openxmlformats.org/officeDocument/2006/relationships" xmlns:p="http://schemas.openxmlformats.org/presentationml/2006/main">
   <p:cSld>
@@ -6835,13 +7150,13 @@
         </p:nvSpPr>
         <p:spPr>
           <a:xfrm>
-            <a:off x="966014" y="453154"/>
-            <a:ext cx="9378669" cy="3110626"/>
+            <a:off x="657900" y="1873687"/>
+            <a:ext cx="10126057" cy="3110626"/>
           </a:xfrm>
         </p:spPr>
         <p:txBody>
           <a:bodyPr>
-            <a:normAutofit fontScale="92500" lnSpcReduction="10000"/>
+            <a:normAutofit fontScale="85000" lnSpcReduction="10000"/>
           </a:bodyPr>
           <a:lstStyle/>
           <a:p>
@@ -6912,7 +7227,34 @@
                   <a:schemeClr val="tx1"/>
                 </a:solidFill>
               </a:rPr>
-              <a:t>      </a:t>
+              <a:t>      - Support multi-language </a:t>
+            </a:r>
+          </a:p>
+          <a:p>
+            <a:pPr algn="l"/>
+            <a:r>
+              <a:rPr lang="en-US" dirty="0">
+                <a:solidFill>
+                  <a:schemeClr val="tx1"/>
+                </a:solidFill>
+              </a:rPr>
+              <a:t>      - Support to integrate the </a:t>
+            </a:r>
+            <a:r>
+              <a:rPr lang="en-US" dirty="0" err="1">
+                <a:solidFill>
+                  <a:schemeClr val="tx1"/>
+                </a:solidFill>
+              </a:rPr>
+              <a:t>Telua</a:t>
+            </a:r>
+            <a:r>
+              <a:rPr lang="en-US" dirty="0">
+                <a:solidFill>
+                  <a:schemeClr val="tx1"/>
+                </a:solidFill>
+              </a:rPr>
+              <a:t> IoT platform  with producers for smart lighting, smart fan, smart cooker, etc.</a:t>
             </a:r>
           </a:p>
           <a:p>
@@ -7338,13 +7680,13 @@
           <a:p>
             <a:r>
               <a:rPr lang="en-US" dirty="0"/>
-              <a:t>- Backup data on cloud</a:t>
+              <a:t>- Remote control </a:t>
             </a:r>
           </a:p>
           <a:p>
             <a:r>
               <a:rPr lang="en-US" dirty="0"/>
-              <a:t>- Real-time connection between devices</a:t>
+              <a:t>- Real-time connection between machine  and machine</a:t>
             </a:r>
           </a:p>
           <a:p>
@@ -7850,8 +8192,8 @@
         </p:nvSpPr>
         <p:spPr>
           <a:xfrm>
-            <a:off x="1147748" y="323681"/>
-            <a:ext cx="7766936" cy="817638"/>
+            <a:off x="1167627" y="234229"/>
+            <a:ext cx="3016747" cy="817638"/>
           </a:xfrm>
         </p:spPr>
         <p:txBody>
@@ -8039,8 +8381,8 @@
         </p:nvSpPr>
         <p:spPr>
           <a:xfrm>
-            <a:off x="946100" y="1337031"/>
-            <a:ext cx="8610594" cy="2862322"/>
+            <a:off x="606287" y="1337031"/>
+            <a:ext cx="8950407" cy="3970318"/>
           </a:xfrm>
           <a:prstGeom prst="rect">
             <a:avLst/>
@@ -8098,34 +8440,43 @@
                   <a:schemeClr val="tx2"/>
                 </a:solidFill>
               </a:rPr>
-              <a:t>Weather station</a:t>
-            </a:r>
-          </a:p>
-          <a:p>
-            <a:r>
-              <a:rPr lang="en-US">
+              <a:t>Detailed guideline (Vietnamese) </a:t>
+            </a:r>
+          </a:p>
+          <a:p>
+            <a:r>
+              <a:rPr lang="en-US" dirty="0">
+                <a:solidFill>
+                  <a:schemeClr val="tx2"/>
+                </a:solidFill>
                 <a:hlinkClick r:id="rId4"/>
               </a:rPr>
-              <a:t>https</a:t>
+              <a:t>https://github.com/letrthong/telua_esp32_sensor/blob/master/esp32_hardware/telua_eps32.pdf</a:t>
             </a:r>
             <a:r>
               <a:rPr lang="en-US" dirty="0">
-                <a:hlinkClick r:id="rId4"/>
+                <a:solidFill>
+                  <a:schemeClr val="tx2"/>
+                </a:solidFill>
               </a:rPr>
-              <a:t>://telua.co/tmonitor#api</a:t>
-            </a:r>
-            <a:r>
-              <a:rPr lang="en-US" dirty="0"/>
               <a:t> </a:t>
             </a:r>
           </a:p>
           <a:p>
-            <a:endParaRPr lang="en-US" dirty="0"/>
-          </a:p>
-          <a:p>
-            <a:r>
-              <a:rPr lang="en-US" dirty="0"/>
-              <a:t>The visual programming language </a:t>
+            <a:endParaRPr lang="en-US" dirty="0">
+              <a:solidFill>
+                <a:schemeClr val="tx2"/>
+              </a:solidFill>
+            </a:endParaRPr>
+          </a:p>
+          <a:p>
+            <a:r>
+              <a:rPr lang="en-US" dirty="0">
+                <a:solidFill>
+                  <a:schemeClr val="tx2"/>
+                </a:solidFill>
+              </a:rPr>
+              <a:t>Weather station (Vietnamese) </a:t>
             </a:r>
           </a:p>
           <a:p>
@@ -8133,15 +8484,66 @@
               <a:rPr lang="en-US" dirty="0">
                 <a:hlinkClick r:id="rId5"/>
               </a:rPr>
-              <a:t>https://github.com/letrthong/uhes_visual_programing_iot</a:t>
+              <a:t>https://telua.co/tmonitor#api</a:t>
             </a:r>
             <a:r>
               <a:rPr lang="en-US" dirty="0"/>
               <a:t> </a:t>
             </a:r>
           </a:p>
-        </p:txBody>
-      </p:sp>
+          <a:p>
+            <a:endParaRPr lang="en-US" dirty="0"/>
+          </a:p>
+          <a:p>
+            <a:r>
+              <a:rPr lang="en-US" dirty="0"/>
+              <a:t>The visual programming language </a:t>
+            </a:r>
+          </a:p>
+          <a:p>
+            <a:r>
+              <a:rPr lang="en-US" dirty="0">
+                <a:hlinkClick r:id="rId6"/>
+              </a:rPr>
+              <a:t>https://github.com/letrthong/uhes_visual_programing_iot</a:t>
+            </a:r>
+            <a:r>
+              <a:rPr lang="en-US" dirty="0"/>
+              <a:t> </a:t>
+            </a:r>
+          </a:p>
+        </p:txBody>
+      </p:sp>
+      <p:pic>
+        <p:nvPicPr>
+          <p:cNvPr id="10" name="Picture 9">
+            <a:extLst>
+              <a:ext uri="{FF2B5EF4-FFF2-40B4-BE49-F238E27FC236}">
+                <a16:creationId xmlns:a16="http://schemas.microsoft.com/office/drawing/2014/main" id="{209FB913-6CD6-EEC4-83BF-EB514359FDDB}"/>
+              </a:ext>
+            </a:extLst>
+          </p:cNvPr>
+          <p:cNvPicPr>
+            <a:picLocks noChangeAspect="1"/>
+          </p:cNvPicPr>
+          <p:nvPr/>
+        </p:nvPicPr>
+        <p:blipFill>
+          <a:blip r:embed="rId7"/>
+          <a:stretch>
+            <a:fillRect/>
+          </a:stretch>
+        </p:blipFill>
+        <p:spPr>
+          <a:xfrm>
+            <a:off x="4591878" y="643048"/>
+            <a:ext cx="5498974" cy="2114660"/>
+          </a:xfrm>
+          <a:prstGeom prst="rect">
+            <a:avLst/>
+          </a:prstGeom>
+        </p:spPr>
+      </p:pic>
     </p:spTree>
     <p:extLst>
       <p:ext uri="{BB962C8B-B14F-4D97-AF65-F5344CB8AC3E}">
@@ -8849,6 +9251,47 @@
           </a:p>
         </p:txBody>
       </p:sp>
+      <p:sp>
+        <p:nvSpPr>
+          <p:cNvPr id="5" name="TextBox 4">
+            <a:extLst>
+              <a:ext uri="{FF2B5EF4-FFF2-40B4-BE49-F238E27FC236}">
+                <a16:creationId xmlns:a16="http://schemas.microsoft.com/office/drawing/2014/main" id="{65531257-B1FC-4536-33E5-E721D32E2647}"/>
+              </a:ext>
+            </a:extLst>
+          </p:cNvPr>
+          <p:cNvSpPr txBox="1"/>
+          <p:nvPr/>
+        </p:nvSpPr>
+        <p:spPr>
+          <a:xfrm>
+            <a:off x="2425148" y="2269000"/>
+            <a:ext cx="2098827" cy="276999"/>
+          </a:xfrm>
+          <a:prstGeom prst="rect">
+            <a:avLst/>
+          </a:prstGeom>
+          <a:noFill/>
+        </p:spPr>
+        <p:txBody>
+          <a:bodyPr wrap="square">
+            <a:spAutoFit/>
+          </a:bodyPr>
+          <a:lstStyle/>
+          <a:p>
+            <a:r>
+              <a:rPr lang="en-US" sz="1200" dirty="0">
+                <a:hlinkClick r:id="rId3"/>
+              </a:rPr>
+              <a:t>https://www.tuya.com/</a:t>
+            </a:r>
+            <a:r>
+              <a:rPr lang="en-US" sz="1200" dirty="0"/>
+              <a:t> </a:t>
+            </a:r>
+          </a:p>
+        </p:txBody>
+      </p:sp>
       <p:pic>
         <p:nvPicPr>
           <p:cNvPr id="4" name="Picture 3" descr="A red rectangle with white text&#10;&#10;Description automatically generated with medium confidence">
@@ -8864,7 +9307,7 @@
           <p:nvPr/>
         </p:nvPicPr>
         <p:blipFill>
-          <a:blip r:embed="rId3">
+          <a:blip r:embed="rId4">
             <a:extLst>
               <a:ext uri="{28A0092B-C50C-407E-A947-70E740481C1C}">
                 <a14:useLocalDpi xmlns:a14="http://schemas.microsoft.com/office/drawing/2010/main" val="0"/>
@@ -8877,8 +9320,8 @@
         </p:blipFill>
         <p:spPr>
           <a:xfrm>
-            <a:off x="1147748" y="1479915"/>
-            <a:ext cx="2952750" cy="1552575"/>
+            <a:off x="659462" y="2049591"/>
+            <a:ext cx="1396669" cy="734378"/>
           </a:xfrm>
           <a:prstGeom prst="rect">
             <a:avLst/>
@@ -8887,10 +9330,10 @@
       </p:pic>
       <p:sp>
         <p:nvSpPr>
-          <p:cNvPr id="5" name="TextBox 4">
+          <p:cNvPr id="8" name="TextBox 7">
             <a:extLst>
               <a:ext uri="{FF2B5EF4-FFF2-40B4-BE49-F238E27FC236}">
-                <a16:creationId xmlns:a16="http://schemas.microsoft.com/office/drawing/2014/main" id="{65531257-B1FC-4536-33E5-E721D32E2647}"/>
+                <a16:creationId xmlns:a16="http://schemas.microsoft.com/office/drawing/2014/main" id="{AF497EAA-7E83-EBA4-9CA6-584BAFC63E44}"/>
               </a:ext>
             </a:extLst>
           </p:cNvPr>
@@ -8899,8 +9342,8 @@
         </p:nvSpPr>
         <p:spPr>
           <a:xfrm>
-            <a:off x="1618406" y="2970656"/>
-            <a:ext cx="2864581" cy="276999"/>
+            <a:off x="2504661" y="3059668"/>
+            <a:ext cx="6102626" cy="369332"/>
           </a:xfrm>
           <a:prstGeom prst="rect">
             <a:avLst/>
@@ -8914,18 +9357,161 @@
           <a:lstStyle/>
           <a:p>
             <a:r>
-              <a:rPr lang="en-US" sz="1200" dirty="0">
-                <a:hlinkClick r:id="rId4"/>
+              <a:rPr lang="en-US" dirty="0">
+                <a:hlinkClick r:id="rId5"/>
               </a:rPr>
-              <a:t>https://www.tuya.com/</a:t>
-            </a:r>
-            <a:r>
-              <a:rPr lang="en-US" sz="1200" dirty="0"/>
-              <a:t> </a:t>
-            </a:r>
-          </a:p>
-        </p:txBody>
-      </p:sp>
+              <a:t>Blynk IoT</a:t>
+            </a:r>
+            <a:endParaRPr lang="en-US" dirty="0"/>
+          </a:p>
+        </p:txBody>
+      </p:sp>
+      <p:sp>
+        <p:nvSpPr>
+          <p:cNvPr id="10" name="TextBox 9">
+            <a:extLst>
+              <a:ext uri="{FF2B5EF4-FFF2-40B4-BE49-F238E27FC236}">
+                <a16:creationId xmlns:a16="http://schemas.microsoft.com/office/drawing/2014/main" id="{B8BC5A35-CC66-F788-FA30-C74327D51B67}"/>
+              </a:ext>
+            </a:extLst>
+          </p:cNvPr>
+          <p:cNvSpPr txBox="1"/>
+          <p:nvPr/>
+        </p:nvSpPr>
+        <p:spPr>
+          <a:xfrm>
+            <a:off x="2425148" y="3987645"/>
+            <a:ext cx="6102626" cy="369332"/>
+          </a:xfrm>
+          <a:prstGeom prst="rect">
+            <a:avLst/>
+          </a:prstGeom>
+          <a:noFill/>
+        </p:spPr>
+        <p:txBody>
+          <a:bodyPr wrap="square">
+            <a:spAutoFit/>
+          </a:bodyPr>
+          <a:lstStyle/>
+          <a:p>
+            <a:r>
+              <a:rPr lang="en-US" b="1" dirty="0">
+                <a:hlinkClick r:id="rId6"/>
+              </a:rPr>
+              <a:t>IBM Watson IoT</a:t>
+            </a:r>
+            <a:endParaRPr lang="en-US" dirty="0"/>
+          </a:p>
+        </p:txBody>
+      </p:sp>
+      <p:pic>
+        <p:nvPicPr>
+          <p:cNvPr id="12" name="Picture 11" descr="A green and white logo&#10;&#10;Description automatically generated with low confidence">
+            <a:extLst>
+              <a:ext uri="{FF2B5EF4-FFF2-40B4-BE49-F238E27FC236}">
+                <a16:creationId xmlns:a16="http://schemas.microsoft.com/office/drawing/2014/main" id="{9BBDAC50-43B4-AE4C-EE6B-9A1EF602C896}"/>
+              </a:ext>
+            </a:extLst>
+          </p:cNvPr>
+          <p:cNvPicPr>
+            <a:picLocks noChangeAspect="1"/>
+          </p:cNvPicPr>
+          <p:nvPr/>
+        </p:nvPicPr>
+        <p:blipFill>
+          <a:blip r:embed="rId7">
+            <a:extLst>
+              <a:ext uri="{28A0092B-C50C-407E-A947-70E740481C1C}">
+                <a14:useLocalDpi xmlns:a14="http://schemas.microsoft.com/office/drawing/2010/main" val="0"/>
+              </a:ext>
+            </a:extLst>
+          </a:blip>
+          <a:stretch>
+            <a:fillRect/>
+          </a:stretch>
+        </p:blipFill>
+        <p:spPr>
+          <a:xfrm>
+            <a:off x="923937" y="3042651"/>
+            <a:ext cx="1079418" cy="567565"/>
+          </a:xfrm>
+          <a:prstGeom prst="rect">
+            <a:avLst/>
+          </a:prstGeom>
+        </p:spPr>
+      </p:pic>
+      <p:pic>
+        <p:nvPicPr>
+          <p:cNvPr id="14" name="Picture 13" descr="A picture containing text, logo, font, graphics&#10;&#10;Description automatically generated">
+            <a:extLst>
+              <a:ext uri="{FF2B5EF4-FFF2-40B4-BE49-F238E27FC236}">
+                <a16:creationId xmlns:a16="http://schemas.microsoft.com/office/drawing/2014/main" id="{71AFBF1C-F29C-D05A-9E1D-9894669B75AC}"/>
+              </a:ext>
+            </a:extLst>
+          </p:cNvPr>
+          <p:cNvPicPr>
+            <a:picLocks noChangeAspect="1"/>
+          </p:cNvPicPr>
+          <p:nvPr/>
+        </p:nvPicPr>
+        <p:blipFill>
+          <a:blip r:embed="rId8">
+            <a:extLst>
+              <a:ext uri="{28A0092B-C50C-407E-A947-70E740481C1C}">
+                <a14:useLocalDpi xmlns:a14="http://schemas.microsoft.com/office/drawing/2010/main" val="0"/>
+              </a:ext>
+            </a:extLst>
+          </a:blip>
+          <a:stretch>
+            <a:fillRect/>
+          </a:stretch>
+        </p:blipFill>
+        <p:spPr>
+          <a:xfrm>
+            <a:off x="773768" y="3831721"/>
+            <a:ext cx="1168055" cy="801691"/>
+          </a:xfrm>
+          <a:prstGeom prst="rect">
+            <a:avLst/>
+          </a:prstGeom>
+        </p:spPr>
+      </p:pic>
+      <p:pic>
+        <p:nvPicPr>
+          <p:cNvPr id="16" name="Picture 15" descr="A close-up of a logo&#10;&#10;Description automatically generated with medium confidence">
+            <a:extLst>
+              <a:ext uri="{FF2B5EF4-FFF2-40B4-BE49-F238E27FC236}">
+                <a16:creationId xmlns:a16="http://schemas.microsoft.com/office/drawing/2014/main" id="{4E7E09E0-D124-288F-41F4-35C0207F6580}"/>
+              </a:ext>
+            </a:extLst>
+          </p:cNvPr>
+          <p:cNvPicPr>
+            <a:picLocks noChangeAspect="1"/>
+          </p:cNvPicPr>
+          <p:nvPr/>
+        </p:nvPicPr>
+        <p:blipFill>
+          <a:blip r:embed="rId9">
+            <a:extLst>
+              <a:ext uri="{28A0092B-C50C-407E-A947-70E740481C1C}">
+                <a14:useLocalDpi xmlns:a14="http://schemas.microsoft.com/office/drawing/2010/main" val="0"/>
+              </a:ext>
+            </a:extLst>
+          </a:blip>
+          <a:stretch>
+            <a:fillRect/>
+          </a:stretch>
+        </p:blipFill>
+        <p:spPr>
+          <a:xfrm>
+            <a:off x="773768" y="4657968"/>
+            <a:ext cx="2365927" cy="1182964"/>
+          </a:xfrm>
+          <a:prstGeom prst="rect">
+            <a:avLst/>
+          </a:prstGeom>
+        </p:spPr>
+      </p:pic>
     </p:spTree>
     <p:extLst>
       <p:ext uri="{BB962C8B-B14F-4D97-AF65-F5344CB8AC3E}">

--- a/esp32_hardware/Telua_Pitch_Deck.pptx
+++ b/esp32_hardware/Telua_Pitch_Deck.pptx
@@ -6202,7 +6202,7 @@
           <a:lstStyle/>
           <a:p>
             <a:r>
-              <a:rPr lang="en-US" dirty="0">
+              <a:rPr lang="en-US">
                 <a:solidFill>
                   <a:schemeClr val="tx2"/>
                 </a:solidFill>
@@ -6217,7 +6217,7 @@
               <a:t>https://tmonitor.live/</a:t>
             </a:r>
             <a:r>
-              <a:rPr lang="en-US" dirty="0">
+              <a:rPr lang="en-US">
                 <a:solidFill>
                   <a:schemeClr val="tx2"/>
                 </a:solidFill>
@@ -6227,7 +6227,7 @@
           </a:p>
           <a:p>
             <a:r>
-              <a:rPr lang="en-US" dirty="0">
+              <a:rPr lang="en-US">
                 <a:solidFill>
                   <a:schemeClr val="tx2"/>
                 </a:solidFill>
@@ -6242,7 +6242,7 @@
               <a:t>https://weatherplus.vn/</a:t>
             </a:r>
             <a:r>
-              <a:rPr lang="en-US" dirty="0">
+              <a:rPr lang="en-US">
                 <a:solidFill>
                   <a:schemeClr val="tx2"/>
                 </a:solidFill>
@@ -6252,7 +6252,7 @@
           </a:p>
           <a:p>
             <a:r>
-              <a:rPr lang="en-US" dirty="0">
+              <a:rPr lang="en-US">
                 <a:solidFill>
                   <a:schemeClr val="tx2"/>
                 </a:solidFill>
@@ -6267,7 +6267,7 @@
               <a:t>https://www.lotoda.vn/</a:t>
             </a:r>
             <a:r>
-              <a:rPr lang="en-US" dirty="0">
+              <a:rPr lang="en-US">
                 <a:solidFill>
                   <a:schemeClr val="tx2"/>
                 </a:solidFill>
@@ -6277,7 +6277,7 @@
           </a:p>
           <a:p>
             <a:r>
-              <a:rPr lang="en-US" dirty="0">
+              <a:rPr lang="en-US">
                 <a:solidFill>
                   <a:schemeClr val="tx2"/>
                 </a:solidFill>
@@ -6292,7 +6292,7 @@
               <a:t>https://eplusi.net/</a:t>
             </a:r>
             <a:r>
-              <a:rPr lang="en-US" dirty="0">
+              <a:rPr lang="en-US">
                 <a:solidFill>
                   <a:schemeClr val="tx2"/>
                 </a:solidFill>
@@ -6302,7 +6302,7 @@
           </a:p>
           <a:p>
             <a:r>
-              <a:rPr lang="en-US" dirty="0">
+              <a:rPr lang="en-US">
                 <a:solidFill>
                   <a:schemeClr val="tx2"/>
                 </a:solidFill>
@@ -6317,7 +6317,7 @@
               <a:t>https://www.nextfarm.vn</a:t>
             </a:r>
             <a:r>
-              <a:rPr lang="en-US" dirty="0">
+              <a:rPr lang="en-US">
                 <a:solidFill>
                   <a:schemeClr val="tx2"/>
                 </a:solidFill>
@@ -6327,7 +6327,7 @@
           </a:p>
           <a:p>
             <a:r>
-              <a:rPr lang="en-US" dirty="0">
+              <a:rPr lang="en-US">
                 <a:solidFill>
                   <a:schemeClr val="tx2"/>
                 </a:solidFill>
@@ -6342,7 +6342,7 @@
               <a:t>https://farmext.com/</a:t>
             </a:r>
             <a:r>
-              <a:rPr lang="en-US" dirty="0">
+              <a:rPr lang="en-US">
                 <a:solidFill>
                   <a:schemeClr val="tx2"/>
                 </a:solidFill>
@@ -6352,7 +6352,7 @@
           </a:p>
           <a:p>
             <a:r>
-              <a:rPr lang="en-US" dirty="0">
+              <a:rPr lang="en-US">
                 <a:solidFill>
                   <a:schemeClr val="tx2"/>
                 </a:solidFill>
@@ -6360,7 +6360,7 @@
               <a:t> </a:t>
             </a:r>
             <a:r>
-              <a:rPr lang="en-US" dirty="0">
+              <a:rPr lang="en-US">
                 <a:solidFill>
                   <a:schemeClr val="tx2"/>
                 </a:solidFill>
@@ -6375,33 +6375,17 @@
               <a:t>https://dqsmart.vn/san-pham/thiet-bi-cam-bien-nhiet-do-do-am/</a:t>
             </a:r>
             <a:r>
-              <a:rPr lang="en-US" dirty="0">
+              <a:rPr lang="en-US">
                 <a:solidFill>
                   <a:schemeClr val="tx2"/>
                 </a:solidFill>
               </a:rPr>
-              <a:t>  ( </a:t>
-            </a:r>
-            <a:r>
-              <a:rPr lang="en-US" dirty="0" err="1">
-                <a:solidFill>
-                  <a:schemeClr val="tx2"/>
-                </a:solidFill>
-              </a:rPr>
-              <a:t>Điện</a:t>
-            </a:r>
-            <a:r>
-              <a:rPr lang="en-US" dirty="0">
-                <a:solidFill>
-                  <a:schemeClr val="tx2"/>
-                </a:solidFill>
-              </a:rPr>
-              <a:t> Quang) </a:t>
-            </a:r>
-          </a:p>
-          <a:p>
-            <a:r>
-              <a:rPr lang="en-US" dirty="0">
+              <a:t>  ( Điện Quang) </a:t>
+            </a:r>
+          </a:p>
+          <a:p>
+            <a:r>
+              <a:rPr lang="en-US">
                 <a:solidFill>
                   <a:schemeClr val="tx2"/>
                 </a:solidFill>
@@ -6416,12 +6400,167 @@
               <a:t>https://www.aquaeasy.life/</a:t>
             </a:r>
             <a:r>
-              <a:rPr lang="en-US" dirty="0">
+              <a:rPr lang="en-US">
                 <a:solidFill>
                   <a:schemeClr val="tx2"/>
                 </a:solidFill>
               </a:rPr>
-              <a:t>  ( Bosch ) </a:t>
+              <a:t> ( Bosch ) </a:t>
+            </a:r>
+            <a:endParaRPr lang="en-US" dirty="0">
+              <a:solidFill>
+                <a:schemeClr val="tx2"/>
+              </a:solidFill>
+            </a:endParaRPr>
+          </a:p>
+        </p:txBody>
+      </p:sp>
+      <p:sp>
+        <p:nvSpPr>
+          <p:cNvPr id="4" name="Title 1">
+            <a:extLst>
+              <a:ext uri="{FF2B5EF4-FFF2-40B4-BE49-F238E27FC236}">
+                <a16:creationId xmlns:a16="http://schemas.microsoft.com/office/drawing/2014/main" id="{AEF73D92-2F6B-BA92-9A27-3A361C345EB4}"/>
+              </a:ext>
+            </a:extLst>
+          </p:cNvPr>
+          <p:cNvSpPr txBox="1">
+            <a:spLocks/>
+          </p:cNvSpPr>
+          <p:nvPr/>
+        </p:nvSpPr>
+        <p:spPr>
+          <a:xfrm>
+            <a:off x="9084616" y="6283358"/>
+            <a:ext cx="2860005" cy="386985"/>
+          </a:xfrm>
+          <a:prstGeom prst="rect">
+            <a:avLst/>
+          </a:prstGeom>
+        </p:spPr>
+        <p:txBody>
+          <a:bodyPr vert="horz" lIns="91440" tIns="45720" rIns="91440" bIns="45720" rtlCol="0" anchor="b">
+            <a:noAutofit/>
+          </a:bodyPr>
+          <a:lstStyle>
+            <a:lvl1pPr algn="r" defTabSz="457200" rtl="0" eaLnBrk="1" latinLnBrk="0" hangingPunct="1">
+              <a:spcBef>
+                <a:spcPct val="0"/>
+              </a:spcBef>
+              <a:buNone/>
+              <a:defRPr sz="5400" kern="1200">
+                <a:solidFill>
+                  <a:schemeClr val="accent1"/>
+                </a:solidFill>
+                <a:latin typeface="+mj-lt"/>
+                <a:ea typeface="+mj-ea"/>
+                <a:cs typeface="+mj-cs"/>
+              </a:defRPr>
+            </a:lvl1pPr>
+            <a:lvl2pPr eaLnBrk="1" hangingPunct="1">
+              <a:defRPr>
+                <a:solidFill>
+                  <a:schemeClr val="tx2"/>
+                </a:solidFill>
+              </a:defRPr>
+            </a:lvl2pPr>
+            <a:lvl3pPr eaLnBrk="1" hangingPunct="1">
+              <a:defRPr>
+                <a:solidFill>
+                  <a:schemeClr val="tx2"/>
+                </a:solidFill>
+              </a:defRPr>
+            </a:lvl3pPr>
+            <a:lvl4pPr eaLnBrk="1" hangingPunct="1">
+              <a:defRPr>
+                <a:solidFill>
+                  <a:schemeClr val="tx2"/>
+                </a:solidFill>
+              </a:defRPr>
+            </a:lvl4pPr>
+            <a:lvl5pPr eaLnBrk="1" hangingPunct="1">
+              <a:defRPr>
+                <a:solidFill>
+                  <a:schemeClr val="tx2"/>
+                </a:solidFill>
+              </a:defRPr>
+            </a:lvl5pPr>
+            <a:lvl6pPr eaLnBrk="1" hangingPunct="1">
+              <a:defRPr>
+                <a:solidFill>
+                  <a:schemeClr val="tx2"/>
+                </a:solidFill>
+              </a:defRPr>
+            </a:lvl6pPr>
+            <a:lvl7pPr eaLnBrk="1" hangingPunct="1">
+              <a:defRPr>
+                <a:solidFill>
+                  <a:schemeClr val="tx2"/>
+                </a:solidFill>
+              </a:defRPr>
+            </a:lvl7pPr>
+            <a:lvl8pPr eaLnBrk="1" hangingPunct="1">
+              <a:defRPr>
+                <a:solidFill>
+                  <a:schemeClr val="tx2"/>
+                </a:solidFill>
+              </a:defRPr>
+            </a:lvl8pPr>
+            <a:lvl9pPr eaLnBrk="1" hangingPunct="1">
+              <a:defRPr>
+                <a:solidFill>
+                  <a:schemeClr val="tx2"/>
+                </a:solidFill>
+              </a:defRPr>
+            </a:lvl9pPr>
+          </a:lstStyle>
+          <a:p>
+            <a:r>
+              <a:rPr lang="en-US" sz="1200" b="1" dirty="0">
+                <a:solidFill>
+                  <a:schemeClr val="tx2">
+                    <a:lumMod val="75000"/>
+                  </a:schemeClr>
+                </a:solidFill>
+                <a:hlinkClick r:id="rId10">
+                  <a:extLst>
+                    <a:ext uri="{A12FA001-AC4F-418D-AE19-62706E023703}">
+                      <ahyp:hlinkClr xmlns:ahyp="http://schemas.microsoft.com/office/drawing/2018/hyperlinkcolor" val="tx"/>
+                    </a:ext>
+                  </a:extLst>
+                </a:hlinkClick>
+              </a:rPr>
+              <a:t>https://telua.co</a:t>
+            </a:r>
+            <a:r>
+              <a:rPr lang="en-US" sz="1200" b="1" dirty="0">
+                <a:solidFill>
+                  <a:schemeClr val="tx2">
+                    <a:lumMod val="75000"/>
+                  </a:schemeClr>
+                </a:solidFill>
+              </a:rPr>
+              <a:t> - </a:t>
+            </a:r>
+            <a:r>
+              <a:rPr lang="en-US" sz="1200" b="1" dirty="0" err="1">
+                <a:solidFill>
+                  <a:schemeClr val="tx2">
+                    <a:lumMod val="75000"/>
+                  </a:schemeClr>
+                </a:solidFill>
+              </a:rPr>
+              <a:t>Telua</a:t>
+            </a:r>
+            <a:r>
+              <a:rPr lang="en-US" sz="1200" b="1" dirty="0">
+                <a:solidFill>
+                  <a:schemeClr val="tx2">
+                    <a:lumMod val="75000"/>
+                  </a:schemeClr>
+                </a:solidFill>
+              </a:rPr>
+              <a:t> IoT platform</a:t>
             </a:r>
           </a:p>
         </p:txBody>

--- a/esp32_hardware/Telua_Pitch_Deck.pptx
+++ b/esp32_hardware/Telua_Pitch_Deck.pptx
@@ -7798,7 +7798,7 @@
         <p:spPr>
           <a:xfrm>
             <a:off x="1228669" y="1377097"/>
-            <a:ext cx="6101394" cy="1477328"/>
+            <a:ext cx="6101394" cy="1200329"/>
           </a:xfrm>
           <a:prstGeom prst="rect">
             <a:avLst/>
@@ -7827,13 +7827,6 @@
               <a:rPr lang="en-US" dirty="0"/>
               <a:t>- Real-time connection between machine  and machine</a:t>
             </a:r>
-          </a:p>
-          <a:p>
-            <a:pPr marL="285750" indent="-285750">
-              <a:buFontTx/>
-              <a:buChar char="-"/>
-            </a:pPr>
-            <a:endParaRPr lang="en-US" dirty="0"/>
           </a:p>
           <a:p>
             <a:pPr marL="285750" indent="-285750">
@@ -8675,7 +8668,7 @@
         </p:blipFill>
         <p:spPr>
           <a:xfrm>
-            <a:off x="4591878" y="643048"/>
+            <a:off x="4393095" y="643048"/>
             <a:ext cx="5498974" cy="2114660"/>
           </a:xfrm>
           <a:prstGeom prst="rect">
@@ -9215,7 +9208,7 @@
         </p:nvSpPr>
         <p:spPr>
           <a:xfrm>
-            <a:off x="1147748" y="323681"/>
+            <a:off x="1147748" y="418535"/>
             <a:ext cx="7766936" cy="817638"/>
           </a:xfrm>
         </p:spPr>
@@ -9230,7 +9223,7 @@
                   <a:srgbClr val="92D050"/>
                 </a:solidFill>
               </a:rPr>
-              <a:t>Competition</a:t>
+              <a:t>Some IoT Platforms </a:t>
             </a:r>
             <a:endParaRPr lang="en-US" sz="4000" dirty="0">
               <a:solidFill>
@@ -9459,7 +9452,7 @@
         </p:blipFill>
         <p:spPr>
           <a:xfrm>
-            <a:off x="659462" y="2049591"/>
+            <a:off x="659461" y="2086768"/>
             <a:ext cx="1396669" cy="734378"/>
           </a:xfrm>
           <a:prstGeom prst="rect">
@@ -9643,12 +9636,60 @@
         </p:blipFill>
         <p:spPr>
           <a:xfrm>
-            <a:off x="773768" y="4657968"/>
+            <a:off x="773768" y="4600575"/>
             <a:ext cx="2365927" cy="1182964"/>
           </a:xfrm>
           <a:prstGeom prst="rect">
             <a:avLst/>
           </a:prstGeom>
+        </p:spPr>
+      </p:pic>
+      <p:pic>
+        <p:nvPicPr>
+          <p:cNvPr id="1026" name="Picture 2" descr="ThingsBoard - Open-source IoT Platform">
+            <a:hlinkClick r:id="rId10"/>
+            <a:extLst>
+              <a:ext uri="{FF2B5EF4-FFF2-40B4-BE49-F238E27FC236}">
+                <a16:creationId xmlns:a16="http://schemas.microsoft.com/office/drawing/2014/main" id="{80D39389-EFB6-0897-625B-87D3B5E28D69}"/>
+              </a:ext>
+            </a:extLst>
+          </p:cNvPr>
+          <p:cNvPicPr>
+            <a:picLocks noChangeAspect="1" noChangeArrowheads="1"/>
+          </p:cNvPicPr>
+          <p:nvPr/>
+        </p:nvPicPr>
+        <p:blipFill>
+          <a:blip r:embed="rId11">
+            <a:extLst>
+              <a:ext uri="{28A0092B-C50C-407E-A947-70E740481C1C}">
+                <a14:useLocalDpi xmlns:a14="http://schemas.microsoft.com/office/drawing/2010/main" val="0"/>
+              </a:ext>
+            </a:extLst>
+          </a:blip>
+          <a:srcRect/>
+          <a:stretch>
+            <a:fillRect/>
+          </a:stretch>
+        </p:blipFill>
+        <p:spPr bwMode="auto">
+          <a:xfrm>
+            <a:off x="687655" y="5783539"/>
+            <a:ext cx="1551981" cy="816042"/>
+          </a:xfrm>
+          <a:prstGeom prst="rect">
+            <a:avLst/>
+          </a:prstGeom>
+          <a:noFill/>
+          <a:extLst>
+            <a:ext uri="{909E8E84-426E-40DD-AFC4-6F175D3DCCD1}">
+              <a14:hiddenFill xmlns:a14="http://schemas.microsoft.com/office/drawing/2010/main">
+                <a:solidFill>
+                  <a:srgbClr val="FFFFFF"/>
+                </a:solidFill>
+              </a14:hiddenFill>
+            </a:ext>
+          </a:extLst>
         </p:spPr>
       </p:pic>
     </p:spTree>

--- a/esp32_hardware/Telua_Pitch_Deck.pptx
+++ b/esp32_hardware/Telua_Pitch_Deck.pptx
@@ -843,7 +843,7 @@
           <a:p>
             <a:fld id="{07CBA146-573C-4F88-985D-B7F159619A21}" type="datetimeFigureOut">
               <a:rPr lang="en-US" smtClean="0"/>
-              <a:t>6/18/2023</a:t>
+              <a:t>6/19/2023</a:t>
             </a:fld>
             <a:endParaRPr lang="en-US"/>
           </a:p>
@@ -1094,7 +1094,7 @@
           <a:p>
             <a:fld id="{07CBA146-573C-4F88-985D-B7F159619A21}" type="datetimeFigureOut">
               <a:rPr lang="en-US" smtClean="0"/>
-              <a:t>6/18/2023</a:t>
+              <a:t>6/19/2023</a:t>
             </a:fld>
             <a:endParaRPr lang="en-US"/>
           </a:p>
@@ -1408,7 +1408,7 @@
           <a:p>
             <a:fld id="{07CBA146-573C-4F88-985D-B7F159619A21}" type="datetimeFigureOut">
               <a:rPr lang="en-US" smtClean="0"/>
-              <a:t>6/18/2023</a:t>
+              <a:t>6/19/2023</a:t>
             </a:fld>
             <a:endParaRPr lang="en-US"/>
           </a:p>
@@ -1749,7 +1749,7 @@
           <a:p>
             <a:fld id="{07CBA146-573C-4F88-985D-B7F159619A21}" type="datetimeFigureOut">
               <a:rPr lang="en-US" smtClean="0"/>
-              <a:t>6/18/2023</a:t>
+              <a:t>6/19/2023</a:t>
             </a:fld>
             <a:endParaRPr lang="en-US"/>
           </a:p>
@@ -2063,7 +2063,7 @@
           <a:p>
             <a:fld id="{07CBA146-573C-4F88-985D-B7F159619A21}" type="datetimeFigureOut">
               <a:rPr lang="en-US" smtClean="0"/>
-              <a:t>6/18/2023</a:t>
+              <a:t>6/19/2023</a:t>
             </a:fld>
             <a:endParaRPr lang="en-US"/>
           </a:p>
@@ -2456,7 +2456,7 @@
           <a:p>
             <a:fld id="{07CBA146-573C-4F88-985D-B7F159619A21}" type="datetimeFigureOut">
               <a:rPr lang="en-US" smtClean="0"/>
-              <a:t>6/18/2023</a:t>
+              <a:t>6/19/2023</a:t>
             </a:fld>
             <a:endParaRPr lang="en-US"/>
           </a:p>
@@ -2626,7 +2626,7 @@
           <a:p>
             <a:fld id="{07CBA146-573C-4F88-985D-B7F159619A21}" type="datetimeFigureOut">
               <a:rPr lang="en-US" smtClean="0"/>
-              <a:t>6/18/2023</a:t>
+              <a:t>6/19/2023</a:t>
             </a:fld>
             <a:endParaRPr lang="en-US"/>
           </a:p>
@@ -2806,7 +2806,7 @@
           <a:p>
             <a:fld id="{07CBA146-573C-4F88-985D-B7F159619A21}" type="datetimeFigureOut">
               <a:rPr lang="en-US" smtClean="0"/>
-              <a:t>6/18/2023</a:t>
+              <a:t>6/19/2023</a:t>
             </a:fld>
             <a:endParaRPr lang="en-US"/>
           </a:p>
@@ -2982,7 +2982,7 @@
           <a:p>
             <a:fld id="{07CBA146-573C-4F88-985D-B7F159619A21}" type="datetimeFigureOut">
               <a:rPr lang="en-US" smtClean="0"/>
-              <a:t>6/18/2023</a:t>
+              <a:t>6/19/2023</a:t>
             </a:fld>
             <a:endParaRPr lang="en-US"/>
           </a:p>
@@ -3229,7 +3229,7 @@
           <a:p>
             <a:fld id="{07CBA146-573C-4F88-985D-B7F159619A21}" type="datetimeFigureOut">
               <a:rPr lang="en-US" smtClean="0"/>
-              <a:t>6/18/2023</a:t>
+              <a:t>6/19/2023</a:t>
             </a:fld>
             <a:endParaRPr lang="en-US"/>
           </a:p>
@@ -3461,7 +3461,7 @@
           <a:p>
             <a:fld id="{07CBA146-573C-4F88-985D-B7F159619A21}" type="datetimeFigureOut">
               <a:rPr lang="en-US" smtClean="0"/>
-              <a:t>6/18/2023</a:t>
+              <a:t>6/19/2023</a:t>
             </a:fld>
             <a:endParaRPr lang="en-US"/>
           </a:p>
@@ -3835,7 +3835,7 @@
           <a:p>
             <a:fld id="{07CBA146-573C-4F88-985D-B7F159619A21}" type="datetimeFigureOut">
               <a:rPr lang="en-US" smtClean="0"/>
-              <a:t>6/18/2023</a:t>
+              <a:t>6/19/2023</a:t>
             </a:fld>
             <a:endParaRPr lang="en-US"/>
           </a:p>
@@ -3958,7 +3958,7 @@
           <a:p>
             <a:fld id="{07CBA146-573C-4F88-985D-B7F159619A21}" type="datetimeFigureOut">
               <a:rPr lang="en-US" smtClean="0"/>
-              <a:t>6/18/2023</a:t>
+              <a:t>6/19/2023</a:t>
             </a:fld>
             <a:endParaRPr lang="en-US"/>
           </a:p>
@@ -4053,7 +4053,7 @@
           <a:p>
             <a:fld id="{07CBA146-573C-4F88-985D-B7F159619A21}" type="datetimeFigureOut">
               <a:rPr lang="en-US" smtClean="0"/>
-              <a:t>6/18/2023</a:t>
+              <a:t>6/19/2023</a:t>
             </a:fld>
             <a:endParaRPr lang="en-US"/>
           </a:p>
@@ -4308,7 +4308,7 @@
           <a:p>
             <a:fld id="{07CBA146-573C-4F88-985D-B7F159619A21}" type="datetimeFigureOut">
               <a:rPr lang="en-US" smtClean="0"/>
-              <a:t>6/18/2023</a:t>
+              <a:t>6/19/2023</a:t>
             </a:fld>
             <a:endParaRPr lang="en-US"/>
           </a:p>
@@ -4571,7 +4571,7 @@
           <a:p>
             <a:fld id="{07CBA146-573C-4F88-985D-B7F159619A21}" type="datetimeFigureOut">
               <a:rPr lang="en-US" smtClean="0"/>
-              <a:t>6/18/2023</a:t>
+              <a:t>6/19/2023</a:t>
             </a:fld>
             <a:endParaRPr lang="en-US"/>
           </a:p>
@@ -5314,7 +5314,7 @@
           <a:p>
             <a:fld id="{07CBA146-573C-4F88-985D-B7F159619A21}" type="datetimeFigureOut">
               <a:rPr lang="en-US" smtClean="0"/>
-              <a:t>6/18/2023</a:t>
+              <a:t>6/19/2023</a:t>
             </a:fld>
             <a:endParaRPr lang="en-US"/>
           </a:p>
@@ -6202,7 +6202,7 @@
           <a:lstStyle/>
           <a:p>
             <a:r>
-              <a:rPr lang="en-US">
+              <a:rPr lang="en-US" dirty="0">
                 <a:solidFill>
                   <a:schemeClr val="tx2"/>
                 </a:solidFill>
@@ -6217,7 +6217,7 @@
               <a:t>https://tmonitor.live/</a:t>
             </a:r>
             <a:r>
-              <a:rPr lang="en-US">
+              <a:rPr lang="en-US" dirty="0">
                 <a:solidFill>
                   <a:schemeClr val="tx2"/>
                 </a:solidFill>
@@ -6227,7 +6227,7 @@
           </a:p>
           <a:p>
             <a:r>
-              <a:rPr lang="en-US">
+              <a:rPr lang="en-US" dirty="0">
                 <a:solidFill>
                   <a:schemeClr val="tx2"/>
                 </a:solidFill>
@@ -6242,7 +6242,7 @@
               <a:t>https://weatherplus.vn/</a:t>
             </a:r>
             <a:r>
-              <a:rPr lang="en-US">
+              <a:rPr lang="en-US" dirty="0">
                 <a:solidFill>
                   <a:schemeClr val="tx2"/>
                 </a:solidFill>
@@ -6252,7 +6252,7 @@
           </a:p>
           <a:p>
             <a:r>
-              <a:rPr lang="en-US">
+              <a:rPr lang="en-US" dirty="0">
                 <a:solidFill>
                   <a:schemeClr val="tx2"/>
                 </a:solidFill>
@@ -6267,7 +6267,7 @@
               <a:t>https://www.lotoda.vn/</a:t>
             </a:r>
             <a:r>
-              <a:rPr lang="en-US">
+              <a:rPr lang="en-US" dirty="0">
                 <a:solidFill>
                   <a:schemeClr val="tx2"/>
                 </a:solidFill>
@@ -6277,7 +6277,7 @@
           </a:p>
           <a:p>
             <a:r>
-              <a:rPr lang="en-US">
+              <a:rPr lang="en-US" dirty="0">
                 <a:solidFill>
                   <a:schemeClr val="tx2"/>
                 </a:solidFill>
@@ -6292,7 +6292,7 @@
               <a:t>https://eplusi.net/</a:t>
             </a:r>
             <a:r>
-              <a:rPr lang="en-US">
+              <a:rPr lang="en-US" dirty="0">
                 <a:solidFill>
                   <a:schemeClr val="tx2"/>
                 </a:solidFill>
@@ -6302,7 +6302,7 @@
           </a:p>
           <a:p>
             <a:r>
-              <a:rPr lang="en-US">
+              <a:rPr lang="en-US" dirty="0">
                 <a:solidFill>
                   <a:schemeClr val="tx2"/>
                 </a:solidFill>
@@ -6317,7 +6317,7 @@
               <a:t>https://www.nextfarm.vn</a:t>
             </a:r>
             <a:r>
-              <a:rPr lang="en-US">
+              <a:rPr lang="en-US" dirty="0">
                 <a:solidFill>
                   <a:schemeClr val="tx2"/>
                 </a:solidFill>
@@ -6327,7 +6327,7 @@
           </a:p>
           <a:p>
             <a:r>
-              <a:rPr lang="en-US">
+              <a:rPr lang="en-US" dirty="0">
                 <a:solidFill>
                   <a:schemeClr val="tx2"/>
                 </a:solidFill>
@@ -6342,7 +6342,7 @@
               <a:t>https://farmext.com/</a:t>
             </a:r>
             <a:r>
-              <a:rPr lang="en-US">
+              <a:rPr lang="en-US" dirty="0">
                 <a:solidFill>
                   <a:schemeClr val="tx2"/>
                 </a:solidFill>
@@ -6352,7 +6352,7 @@
           </a:p>
           <a:p>
             <a:r>
-              <a:rPr lang="en-US">
+              <a:rPr lang="en-US" dirty="0">
                 <a:solidFill>
                   <a:schemeClr val="tx2"/>
                 </a:solidFill>
@@ -6360,7 +6360,7 @@
               <a:t> </a:t>
             </a:r>
             <a:r>
-              <a:rPr lang="en-US">
+              <a:rPr lang="en-US" dirty="0">
                 <a:solidFill>
                   <a:schemeClr val="tx2"/>
                 </a:solidFill>
@@ -6375,17 +6375,33 @@
               <a:t>https://dqsmart.vn/san-pham/thiet-bi-cam-bien-nhiet-do-do-am/</a:t>
             </a:r>
             <a:r>
-              <a:rPr lang="en-US">
-                <a:solidFill>
-                  <a:schemeClr val="tx2"/>
-                </a:solidFill>
-              </a:rPr>
-              <a:t>  ( Điện Quang) </a:t>
-            </a:r>
-          </a:p>
-          <a:p>
-            <a:r>
-              <a:rPr lang="en-US">
+              <a:rPr lang="en-US" dirty="0">
+                <a:solidFill>
+                  <a:schemeClr val="tx2"/>
+                </a:solidFill>
+              </a:rPr>
+              <a:t>  ( </a:t>
+            </a:r>
+            <a:r>
+              <a:rPr lang="en-US" dirty="0" err="1">
+                <a:solidFill>
+                  <a:schemeClr val="tx2"/>
+                </a:solidFill>
+              </a:rPr>
+              <a:t>Điện</a:t>
+            </a:r>
+            <a:r>
+              <a:rPr lang="en-US" dirty="0">
+                <a:solidFill>
+                  <a:schemeClr val="tx2"/>
+                </a:solidFill>
+              </a:rPr>
+              <a:t> Quang) </a:t>
+            </a:r>
+          </a:p>
+          <a:p>
+            <a:r>
+              <a:rPr lang="en-US" dirty="0">
                 <a:solidFill>
                   <a:schemeClr val="tx2"/>
                 </a:solidFill>
@@ -6400,18 +6416,13 @@
               <a:t>https://www.aquaeasy.life/</a:t>
             </a:r>
             <a:r>
-              <a:rPr lang="en-US">
+              <a:rPr lang="en-US" dirty="0">
                 <a:solidFill>
                   <a:schemeClr val="tx2"/>
                 </a:solidFill>
               </a:rPr>
               <a:t> ( Bosch ) </a:t>
             </a:r>
-            <a:endParaRPr lang="en-US" dirty="0">
-              <a:solidFill>
-                <a:schemeClr val="tx2"/>
-              </a:solidFill>
-            </a:endParaRPr>
           </a:p>
         </p:txBody>
       </p:sp>
@@ -7289,7 +7300,7 @@
         </p:nvSpPr>
         <p:spPr>
           <a:xfrm>
-            <a:off x="657900" y="1873687"/>
+            <a:off x="697656" y="810200"/>
             <a:ext cx="10126057" cy="3110626"/>
           </a:xfrm>
         </p:spPr>
@@ -7797,8 +7808,8 @@
         </p:nvSpPr>
         <p:spPr>
           <a:xfrm>
-            <a:off x="1228669" y="1377097"/>
-            <a:ext cx="6101394" cy="1200329"/>
+            <a:off x="735496" y="1377097"/>
+            <a:ext cx="8537713" cy="1754326"/>
           </a:xfrm>
           <a:prstGeom prst="rect">
             <a:avLst/>
@@ -7812,19 +7823,46 @@
           <a:lstStyle/>
           <a:p>
             <a:r>
-              <a:rPr lang="en-US" dirty="0"/>
+              <a:rPr lang="en-US" dirty="0">
+                <a:latin typeface=".VnTime" panose="020B7200000000000000" pitchFamily="34" charset="0"/>
+              </a:rPr>
               <a:t>- Support data model to add new product </a:t>
             </a:r>
           </a:p>
           <a:p>
             <a:r>
-              <a:rPr lang="en-US" dirty="0"/>
+              <a:rPr lang="en-US" dirty="0">
+                <a:latin typeface=".VnTime" panose="020B7200000000000000" pitchFamily="34" charset="0"/>
+              </a:rPr>
+              <a:t>- Using Progressive web apps (PWAs), </a:t>
+            </a:r>
+            <a:r>
+              <a:rPr lang="en-US" b="0" i="0" dirty="0">
+                <a:solidFill>
+                  <a:srgbClr val="1B1B1B"/>
+                </a:solidFill>
+                <a:effectLst/>
+                <a:latin typeface=".VnTime" panose="020B7200000000000000" pitchFamily="34" charset="0"/>
+              </a:rPr>
+              <a:t> PWA can run on multiple platforms and devices from a single codebase</a:t>
+            </a:r>
+            <a:endParaRPr lang="en-US" dirty="0">
+              <a:latin typeface=".VnTime" panose="020B7200000000000000" pitchFamily="34" charset="0"/>
+            </a:endParaRPr>
+          </a:p>
+          <a:p>
+            <a:r>
+              <a:rPr lang="en-US" dirty="0">
+                <a:latin typeface=".VnTime" panose="020B7200000000000000" pitchFamily="34" charset="0"/>
+              </a:rPr>
               <a:t>- Remote control </a:t>
             </a:r>
           </a:p>
           <a:p>
             <a:r>
-              <a:rPr lang="en-US" dirty="0"/>
+              <a:rPr lang="en-US" dirty="0">
+                <a:latin typeface=".VnTime" panose="020B7200000000000000" pitchFamily="34" charset="0"/>
+              </a:rPr>
               <a:t>- Real-time connection between machine  and machine</a:t>
             </a:r>
           </a:p>
